--- a/slides/Python_Workshop_9.pptx
+++ b/slides/Python_Workshop_9.pptx
@@ -5,11 +5,19 @@
     <p:sldMasterId id="2147483648" r:id="rId1"/>
   </p:sldMasterIdLst>
   <p:sldIdLst>
-    <p:sldId id="256" r:id="rId2"/>
-    <p:sldId id="257" r:id="rId3"/>
-    <p:sldId id="260" r:id="rId4"/>
-    <p:sldId id="261" r:id="rId5"/>
-    <p:sldId id="258" r:id="rId6"/>
+    <p:sldId id="286" r:id="rId2"/>
+    <p:sldId id="289" r:id="rId3"/>
+    <p:sldId id="291" r:id="rId4"/>
+    <p:sldId id="292" r:id="rId5"/>
+    <p:sldId id="294" r:id="rId6"/>
+    <p:sldId id="260" r:id="rId7"/>
+    <p:sldId id="261" r:id="rId8"/>
+    <p:sldId id="258" r:id="rId9"/>
+    <p:sldId id="295" r:id="rId10"/>
+    <p:sldId id="297" r:id="rId11"/>
+    <p:sldId id="298" r:id="rId12"/>
+    <p:sldId id="299" r:id="rId13"/>
+    <p:sldId id="300" r:id="rId14"/>
   </p:sldIdLst>
   <p:sldSz cx="12192000" cy="6858000"/>
   <p:notesSz cx="6858000" cy="9144000"/>
@@ -108,6 +116,11 @@
       </a:defRPr>
     </a:lvl9pPr>
   </p:defaultTextStyle>
+  <p:extLst>
+    <p:ext uri="{EFAFB233-063F-42B5-8137-9DF3F51BA10A}">
+      <p15:sldGuideLst xmlns:p15="http://schemas.microsoft.com/office/powerpoint/2012/main"/>
+    </p:ext>
+  </p:extLst>
 </p:presentation>
 </file>
 
@@ -130,7 +143,13 @@
       </p:grpSpPr>
       <p:sp>
         <p:nvSpPr>
-          <p:cNvPr id="2" name="標題 1"/>
+          <p:cNvPr id="2" name="標題 1">
+            <a:extLst>
+              <a:ext uri="{FF2B5EF4-FFF2-40B4-BE49-F238E27FC236}">
+                <a16:creationId xmlns:a16="http://schemas.microsoft.com/office/drawing/2014/main" id="{D5D1EB1E-5E76-EB5A-9060-12CB47D8A4F3}"/>
+              </a:ext>
+            </a:extLst>
+          </p:cNvPr>
           <p:cNvSpPr>
             <a:spLocks noGrp="1"/>
           </p:cNvSpPr>
@@ -153,16 +172,21 @@
           </a:lstStyle>
           <a:p>
             <a:r>
-              <a:rPr lang="zh-TW" altLang="en-US" smtClean="0"/>
+              <a:rPr lang="zh-TW" altLang="en-US"/>
               <a:t>按一下以編輯母片標題樣式</a:t>
             </a:r>
-            <a:endParaRPr lang="zh-TW" altLang="en-US"/>
-          </a:p>
-        </p:txBody>
-      </p:sp>
-      <p:sp>
-        <p:nvSpPr>
-          <p:cNvPr id="3" name="副標題 2"/>
+          </a:p>
+        </p:txBody>
+      </p:sp>
+      <p:sp>
+        <p:nvSpPr>
+          <p:cNvPr id="3" name="副標題 2">
+            <a:extLst>
+              <a:ext uri="{FF2B5EF4-FFF2-40B4-BE49-F238E27FC236}">
+                <a16:creationId xmlns:a16="http://schemas.microsoft.com/office/drawing/2014/main" id="{D216A49C-0699-310B-C2A4-6BA249291A6C}"/>
+              </a:ext>
+            </a:extLst>
+          </p:cNvPr>
           <p:cNvSpPr>
             <a:spLocks noGrp="1"/>
           </p:cNvSpPr>
@@ -218,31 +242,36 @@
           </a:lstStyle>
           <a:p>
             <a:r>
+              <a:rPr lang="zh-TW" altLang="en-US"/>
+              <a:t>按一下以編輯母片子標題樣式</a:t>
+            </a:r>
+          </a:p>
+        </p:txBody>
+      </p:sp>
+      <p:sp>
+        <p:nvSpPr>
+          <p:cNvPr id="4" name="日期版面配置區 3">
+            <a:extLst>
+              <a:ext uri="{FF2B5EF4-FFF2-40B4-BE49-F238E27FC236}">
+                <a16:creationId xmlns:a16="http://schemas.microsoft.com/office/drawing/2014/main" id="{8350A511-BAAC-7263-D86F-03B640AD0E1B}"/>
+              </a:ext>
+            </a:extLst>
+          </p:cNvPr>
+          <p:cNvSpPr>
+            <a:spLocks noGrp="1"/>
+          </p:cNvSpPr>
+          <p:nvPr>
+            <p:ph type="dt" sz="half" idx="10"/>
+          </p:nvPr>
+        </p:nvSpPr>
+        <p:spPr/>
+        <p:txBody>
+          <a:bodyPr/>
+          <a:lstStyle/>
+          <a:p>
+            <a:fld id="{7930418E-7F5E-431C-BA81-B0F288EB4F20}" type="datetimeFigureOut">
               <a:rPr lang="zh-TW" altLang="en-US" smtClean="0"/>
-              <a:t>按一下以編輯母片副標題樣式</a:t>
-            </a:r>
-            <a:endParaRPr lang="zh-TW" altLang="en-US"/>
-          </a:p>
-        </p:txBody>
-      </p:sp>
-      <p:sp>
-        <p:nvSpPr>
-          <p:cNvPr id="4" name="日期版面配置區 3"/>
-          <p:cNvSpPr>
-            <a:spLocks noGrp="1"/>
-          </p:cNvSpPr>
-          <p:nvPr>
-            <p:ph type="dt" sz="half" idx="10"/>
-          </p:nvPr>
-        </p:nvSpPr>
-        <p:spPr/>
-        <p:txBody>
-          <a:bodyPr/>
-          <a:lstStyle/>
-          <a:p>
-            <a:fld id="{AD65E3E4-765C-4AD4-A365-31222F682729}" type="datetimeFigureOut">
-              <a:rPr lang="zh-TW" altLang="en-US" smtClean="0"/>
-              <a:t>2025/5/6</a:t>
+              <a:t>2025/5/14</a:t>
             </a:fld>
             <a:endParaRPr lang="zh-TW" altLang="en-US"/>
           </a:p>
@@ -250,7 +279,13 @@
       </p:sp>
       <p:sp>
         <p:nvSpPr>
-          <p:cNvPr id="5" name="頁尾版面配置區 4"/>
+          <p:cNvPr id="5" name="頁尾版面配置區 4">
+            <a:extLst>
+              <a:ext uri="{FF2B5EF4-FFF2-40B4-BE49-F238E27FC236}">
+                <a16:creationId xmlns:a16="http://schemas.microsoft.com/office/drawing/2014/main" id="{608F743E-A667-2164-482B-5F218C92A698}"/>
+              </a:ext>
+            </a:extLst>
+          </p:cNvPr>
           <p:cNvSpPr>
             <a:spLocks noGrp="1"/>
           </p:cNvSpPr>
@@ -269,7 +304,13 @@
       </p:sp>
       <p:sp>
         <p:nvSpPr>
-          <p:cNvPr id="6" name="投影片編號版面配置區 5"/>
+          <p:cNvPr id="6" name="投影片編號版面配置區 5">
+            <a:extLst>
+              <a:ext uri="{FF2B5EF4-FFF2-40B4-BE49-F238E27FC236}">
+                <a16:creationId xmlns:a16="http://schemas.microsoft.com/office/drawing/2014/main" id="{90EAAD0B-9132-5137-6E9B-C57578D439AC}"/>
+              </a:ext>
+            </a:extLst>
+          </p:cNvPr>
           <p:cNvSpPr>
             <a:spLocks noGrp="1"/>
           </p:cNvSpPr>
@@ -282,7 +323,7 @@
           <a:bodyPr/>
           <a:lstStyle/>
           <a:p>
-            <a:fld id="{8BFD84FC-7286-4632-BCBC-D6434BFD3364}" type="slidenum">
+            <a:fld id="{9500EB2A-E1A3-4E65-98B6-F67A4516D232}" type="slidenum">
               <a:rPr lang="zh-TW" altLang="en-US" smtClean="0"/>
               <a:t>‹#›</a:t>
             </a:fld>
@@ -293,7 +334,7 @@
     </p:spTree>
     <p:extLst>
       <p:ext uri="{BB962C8B-B14F-4D97-AF65-F5344CB8AC3E}">
-        <p14:creationId xmlns:p14="http://schemas.microsoft.com/office/powerpoint/2010/main" val="3221328175"/>
+        <p14:creationId xmlns:p14="http://schemas.microsoft.com/office/powerpoint/2010/main" val="2118164741"/>
       </p:ext>
     </p:extLst>
   </p:cSld>
@@ -322,7 +363,13 @@
       </p:grpSpPr>
       <p:sp>
         <p:nvSpPr>
-          <p:cNvPr id="2" name="標題 1"/>
+          <p:cNvPr id="2" name="標題 1">
+            <a:extLst>
+              <a:ext uri="{FF2B5EF4-FFF2-40B4-BE49-F238E27FC236}">
+                <a16:creationId xmlns:a16="http://schemas.microsoft.com/office/drawing/2014/main" id="{7CA24266-FF11-9000-9AF3-5AB91D83B54C}"/>
+              </a:ext>
+            </a:extLst>
+          </p:cNvPr>
           <p:cNvSpPr>
             <a:spLocks noGrp="1"/>
           </p:cNvSpPr>
@@ -336,83 +383,93 @@
           <a:lstStyle/>
           <a:p>
             <a:r>
+              <a:rPr lang="zh-TW" altLang="en-US"/>
+              <a:t>按一下以編輯母片標題樣式</a:t>
+            </a:r>
+          </a:p>
+        </p:txBody>
+      </p:sp>
+      <p:sp>
+        <p:nvSpPr>
+          <p:cNvPr id="3" name="直排文字版面配置區 2">
+            <a:extLst>
+              <a:ext uri="{FF2B5EF4-FFF2-40B4-BE49-F238E27FC236}">
+                <a16:creationId xmlns:a16="http://schemas.microsoft.com/office/drawing/2014/main" id="{F07D3F60-18A4-72D2-0F40-3B7C9462FCCB}"/>
+              </a:ext>
+            </a:extLst>
+          </p:cNvPr>
+          <p:cNvSpPr>
+            <a:spLocks noGrp="1"/>
+          </p:cNvSpPr>
+          <p:nvPr>
+            <p:ph type="body" orient="vert" idx="1"/>
+          </p:nvPr>
+        </p:nvSpPr>
+        <p:spPr/>
+        <p:txBody>
+          <a:bodyPr vert="eaVert"/>
+          <a:lstStyle/>
+          <a:p>
+            <a:pPr lvl="0"/>
+            <a:r>
+              <a:rPr lang="zh-TW" altLang="en-US"/>
+              <a:t>按一下以編輯母片文字樣式</a:t>
+            </a:r>
+          </a:p>
+          <a:p>
+            <a:pPr lvl="1"/>
+            <a:r>
+              <a:rPr lang="zh-TW" altLang="en-US"/>
+              <a:t>第二層</a:t>
+            </a:r>
+          </a:p>
+          <a:p>
+            <a:pPr lvl="2"/>
+            <a:r>
+              <a:rPr lang="zh-TW" altLang="en-US"/>
+              <a:t>第三層</a:t>
+            </a:r>
+          </a:p>
+          <a:p>
+            <a:pPr lvl="3"/>
+            <a:r>
+              <a:rPr lang="zh-TW" altLang="en-US"/>
+              <a:t>第四層</a:t>
+            </a:r>
+          </a:p>
+          <a:p>
+            <a:pPr lvl="4"/>
+            <a:r>
+              <a:rPr lang="zh-TW" altLang="en-US"/>
+              <a:t>第五層</a:t>
+            </a:r>
+          </a:p>
+        </p:txBody>
+      </p:sp>
+      <p:sp>
+        <p:nvSpPr>
+          <p:cNvPr id="4" name="日期版面配置區 3">
+            <a:extLst>
+              <a:ext uri="{FF2B5EF4-FFF2-40B4-BE49-F238E27FC236}">
+                <a16:creationId xmlns:a16="http://schemas.microsoft.com/office/drawing/2014/main" id="{AEBAC4DF-72A8-533E-F4D4-BF1064F7DC35}"/>
+              </a:ext>
+            </a:extLst>
+          </p:cNvPr>
+          <p:cNvSpPr>
+            <a:spLocks noGrp="1"/>
+          </p:cNvSpPr>
+          <p:nvPr>
+            <p:ph type="dt" sz="half" idx="10"/>
+          </p:nvPr>
+        </p:nvSpPr>
+        <p:spPr/>
+        <p:txBody>
+          <a:bodyPr/>
+          <a:lstStyle/>
+          <a:p>
+            <a:fld id="{7930418E-7F5E-431C-BA81-B0F288EB4F20}" type="datetimeFigureOut">
               <a:rPr lang="zh-TW" altLang="en-US" smtClean="0"/>
-              <a:t>按一下以編輯母片標題樣式</a:t>
-            </a:r>
-            <a:endParaRPr lang="zh-TW" altLang="en-US"/>
-          </a:p>
-        </p:txBody>
-      </p:sp>
-      <p:sp>
-        <p:nvSpPr>
-          <p:cNvPr id="3" name="直排文字版面配置區 2"/>
-          <p:cNvSpPr>
-            <a:spLocks noGrp="1"/>
-          </p:cNvSpPr>
-          <p:nvPr>
-            <p:ph type="body" orient="vert" idx="1"/>
-          </p:nvPr>
-        </p:nvSpPr>
-        <p:spPr/>
-        <p:txBody>
-          <a:bodyPr vert="eaVert"/>
-          <a:lstStyle/>
-          <a:p>
-            <a:pPr lvl="0"/>
-            <a:r>
-              <a:rPr lang="zh-TW" altLang="en-US" smtClean="0"/>
-              <a:t>編輯母片文字樣式</a:t>
-            </a:r>
-          </a:p>
-          <a:p>
-            <a:pPr lvl="1"/>
-            <a:r>
-              <a:rPr lang="zh-TW" altLang="en-US" smtClean="0"/>
-              <a:t>第二層</a:t>
-            </a:r>
-          </a:p>
-          <a:p>
-            <a:pPr lvl="2"/>
-            <a:r>
-              <a:rPr lang="zh-TW" altLang="en-US" smtClean="0"/>
-              <a:t>第三層</a:t>
-            </a:r>
-          </a:p>
-          <a:p>
-            <a:pPr lvl="3"/>
-            <a:r>
-              <a:rPr lang="zh-TW" altLang="en-US" smtClean="0"/>
-              <a:t>第四層</a:t>
-            </a:r>
-          </a:p>
-          <a:p>
-            <a:pPr lvl="4"/>
-            <a:r>
-              <a:rPr lang="zh-TW" altLang="en-US" smtClean="0"/>
-              <a:t>第五層</a:t>
-            </a:r>
-            <a:endParaRPr lang="zh-TW" altLang="en-US"/>
-          </a:p>
-        </p:txBody>
-      </p:sp>
-      <p:sp>
-        <p:nvSpPr>
-          <p:cNvPr id="4" name="日期版面配置區 3"/>
-          <p:cNvSpPr>
-            <a:spLocks noGrp="1"/>
-          </p:cNvSpPr>
-          <p:nvPr>
-            <p:ph type="dt" sz="half" idx="10"/>
-          </p:nvPr>
-        </p:nvSpPr>
-        <p:spPr/>
-        <p:txBody>
-          <a:bodyPr/>
-          <a:lstStyle/>
-          <a:p>
-            <a:fld id="{AD65E3E4-765C-4AD4-A365-31222F682729}" type="datetimeFigureOut">
-              <a:rPr lang="zh-TW" altLang="en-US" smtClean="0"/>
-              <a:t>2025/5/6</a:t>
+              <a:t>2025/5/14</a:t>
             </a:fld>
             <a:endParaRPr lang="zh-TW" altLang="en-US"/>
           </a:p>
@@ -420,7 +477,13 @@
       </p:sp>
       <p:sp>
         <p:nvSpPr>
-          <p:cNvPr id="5" name="頁尾版面配置區 4"/>
+          <p:cNvPr id="5" name="頁尾版面配置區 4">
+            <a:extLst>
+              <a:ext uri="{FF2B5EF4-FFF2-40B4-BE49-F238E27FC236}">
+                <a16:creationId xmlns:a16="http://schemas.microsoft.com/office/drawing/2014/main" id="{95ED07E4-829A-E4A0-4C81-B769797FD3C1}"/>
+              </a:ext>
+            </a:extLst>
+          </p:cNvPr>
           <p:cNvSpPr>
             <a:spLocks noGrp="1"/>
           </p:cNvSpPr>
@@ -439,7 +502,13 @@
       </p:sp>
       <p:sp>
         <p:nvSpPr>
-          <p:cNvPr id="6" name="投影片編號版面配置區 5"/>
+          <p:cNvPr id="6" name="投影片編號版面配置區 5">
+            <a:extLst>
+              <a:ext uri="{FF2B5EF4-FFF2-40B4-BE49-F238E27FC236}">
+                <a16:creationId xmlns:a16="http://schemas.microsoft.com/office/drawing/2014/main" id="{C1A56637-4E0F-8C97-3CDB-C9182E12C46B}"/>
+              </a:ext>
+            </a:extLst>
+          </p:cNvPr>
           <p:cNvSpPr>
             <a:spLocks noGrp="1"/>
           </p:cNvSpPr>
@@ -452,7 +521,7 @@
           <a:bodyPr/>
           <a:lstStyle/>
           <a:p>
-            <a:fld id="{8BFD84FC-7286-4632-BCBC-D6434BFD3364}" type="slidenum">
+            <a:fld id="{9500EB2A-E1A3-4E65-98B6-F67A4516D232}" type="slidenum">
               <a:rPr lang="zh-TW" altLang="en-US" smtClean="0"/>
               <a:t>‹#›</a:t>
             </a:fld>
@@ -463,7 +532,7 @@
     </p:spTree>
     <p:extLst>
       <p:ext uri="{BB962C8B-B14F-4D97-AF65-F5344CB8AC3E}">
-        <p14:creationId xmlns:p14="http://schemas.microsoft.com/office/powerpoint/2010/main" val="3894324947"/>
+        <p14:creationId xmlns:p14="http://schemas.microsoft.com/office/powerpoint/2010/main" val="879761569"/>
       </p:ext>
     </p:extLst>
   </p:cSld>
@@ -492,7 +561,13 @@
       </p:grpSpPr>
       <p:sp>
         <p:nvSpPr>
-          <p:cNvPr id="2" name="直排標題 1"/>
+          <p:cNvPr id="2" name="直排標題 1">
+            <a:extLst>
+              <a:ext uri="{FF2B5EF4-FFF2-40B4-BE49-F238E27FC236}">
+                <a16:creationId xmlns:a16="http://schemas.microsoft.com/office/drawing/2014/main" id="{B3F10B82-0C0A-715A-E6F2-3D1A3A533D02}"/>
+              </a:ext>
+            </a:extLst>
+          </p:cNvPr>
           <p:cNvSpPr>
             <a:spLocks noGrp="1"/>
           </p:cNvSpPr>
@@ -511,16 +586,21 @@
           <a:lstStyle/>
           <a:p>
             <a:r>
-              <a:rPr lang="zh-TW" altLang="en-US" smtClean="0"/>
+              <a:rPr lang="zh-TW" altLang="en-US"/>
               <a:t>按一下以編輯母片標題樣式</a:t>
             </a:r>
-            <a:endParaRPr lang="zh-TW" altLang="en-US"/>
-          </a:p>
-        </p:txBody>
-      </p:sp>
-      <p:sp>
-        <p:nvSpPr>
-          <p:cNvPr id="3" name="直排文字版面配置區 2"/>
+          </a:p>
+        </p:txBody>
+      </p:sp>
+      <p:sp>
+        <p:nvSpPr>
+          <p:cNvPr id="3" name="直排文字版面配置區 2">
+            <a:extLst>
+              <a:ext uri="{FF2B5EF4-FFF2-40B4-BE49-F238E27FC236}">
+                <a16:creationId xmlns:a16="http://schemas.microsoft.com/office/drawing/2014/main" id="{AD37C245-1A50-5353-4FB6-E5D593AF1DCA}"/>
+              </a:ext>
+            </a:extLst>
+          </p:cNvPr>
           <p:cNvSpPr>
             <a:spLocks noGrp="1"/>
           </p:cNvSpPr>
@@ -540,59 +620,64 @@
           <a:p>
             <a:pPr lvl="0"/>
             <a:r>
+              <a:rPr lang="zh-TW" altLang="en-US"/>
+              <a:t>按一下以編輯母片文字樣式</a:t>
+            </a:r>
+          </a:p>
+          <a:p>
+            <a:pPr lvl="1"/>
+            <a:r>
+              <a:rPr lang="zh-TW" altLang="en-US"/>
+              <a:t>第二層</a:t>
+            </a:r>
+          </a:p>
+          <a:p>
+            <a:pPr lvl="2"/>
+            <a:r>
+              <a:rPr lang="zh-TW" altLang="en-US"/>
+              <a:t>第三層</a:t>
+            </a:r>
+          </a:p>
+          <a:p>
+            <a:pPr lvl="3"/>
+            <a:r>
+              <a:rPr lang="zh-TW" altLang="en-US"/>
+              <a:t>第四層</a:t>
+            </a:r>
+          </a:p>
+          <a:p>
+            <a:pPr lvl="4"/>
+            <a:r>
+              <a:rPr lang="zh-TW" altLang="en-US"/>
+              <a:t>第五層</a:t>
+            </a:r>
+          </a:p>
+        </p:txBody>
+      </p:sp>
+      <p:sp>
+        <p:nvSpPr>
+          <p:cNvPr id="4" name="日期版面配置區 3">
+            <a:extLst>
+              <a:ext uri="{FF2B5EF4-FFF2-40B4-BE49-F238E27FC236}">
+                <a16:creationId xmlns:a16="http://schemas.microsoft.com/office/drawing/2014/main" id="{BE023E62-30CA-503F-F09F-BD71586778A9}"/>
+              </a:ext>
+            </a:extLst>
+          </p:cNvPr>
+          <p:cNvSpPr>
+            <a:spLocks noGrp="1"/>
+          </p:cNvSpPr>
+          <p:nvPr>
+            <p:ph type="dt" sz="half" idx="10"/>
+          </p:nvPr>
+        </p:nvSpPr>
+        <p:spPr/>
+        <p:txBody>
+          <a:bodyPr/>
+          <a:lstStyle/>
+          <a:p>
+            <a:fld id="{7930418E-7F5E-431C-BA81-B0F288EB4F20}" type="datetimeFigureOut">
               <a:rPr lang="zh-TW" altLang="en-US" smtClean="0"/>
-              <a:t>編輯母片文字樣式</a:t>
-            </a:r>
-          </a:p>
-          <a:p>
-            <a:pPr lvl="1"/>
-            <a:r>
-              <a:rPr lang="zh-TW" altLang="en-US" smtClean="0"/>
-              <a:t>第二層</a:t>
-            </a:r>
-          </a:p>
-          <a:p>
-            <a:pPr lvl="2"/>
-            <a:r>
-              <a:rPr lang="zh-TW" altLang="en-US" smtClean="0"/>
-              <a:t>第三層</a:t>
-            </a:r>
-          </a:p>
-          <a:p>
-            <a:pPr lvl="3"/>
-            <a:r>
-              <a:rPr lang="zh-TW" altLang="en-US" smtClean="0"/>
-              <a:t>第四層</a:t>
-            </a:r>
-          </a:p>
-          <a:p>
-            <a:pPr lvl="4"/>
-            <a:r>
-              <a:rPr lang="zh-TW" altLang="en-US" smtClean="0"/>
-              <a:t>第五層</a:t>
-            </a:r>
-            <a:endParaRPr lang="zh-TW" altLang="en-US"/>
-          </a:p>
-        </p:txBody>
-      </p:sp>
-      <p:sp>
-        <p:nvSpPr>
-          <p:cNvPr id="4" name="日期版面配置區 3"/>
-          <p:cNvSpPr>
-            <a:spLocks noGrp="1"/>
-          </p:cNvSpPr>
-          <p:nvPr>
-            <p:ph type="dt" sz="half" idx="10"/>
-          </p:nvPr>
-        </p:nvSpPr>
-        <p:spPr/>
-        <p:txBody>
-          <a:bodyPr/>
-          <a:lstStyle/>
-          <a:p>
-            <a:fld id="{AD65E3E4-765C-4AD4-A365-31222F682729}" type="datetimeFigureOut">
-              <a:rPr lang="zh-TW" altLang="en-US" smtClean="0"/>
-              <a:t>2025/5/6</a:t>
+              <a:t>2025/5/14</a:t>
             </a:fld>
             <a:endParaRPr lang="zh-TW" altLang="en-US"/>
           </a:p>
@@ -600,7 +685,13 @@
       </p:sp>
       <p:sp>
         <p:nvSpPr>
-          <p:cNvPr id="5" name="頁尾版面配置區 4"/>
+          <p:cNvPr id="5" name="頁尾版面配置區 4">
+            <a:extLst>
+              <a:ext uri="{FF2B5EF4-FFF2-40B4-BE49-F238E27FC236}">
+                <a16:creationId xmlns:a16="http://schemas.microsoft.com/office/drawing/2014/main" id="{FEFD3D53-722E-0367-3025-AD5AE96A511E}"/>
+              </a:ext>
+            </a:extLst>
+          </p:cNvPr>
           <p:cNvSpPr>
             <a:spLocks noGrp="1"/>
           </p:cNvSpPr>
@@ -619,7 +710,13 @@
       </p:sp>
       <p:sp>
         <p:nvSpPr>
-          <p:cNvPr id="6" name="投影片編號版面配置區 5"/>
+          <p:cNvPr id="6" name="投影片編號版面配置區 5">
+            <a:extLst>
+              <a:ext uri="{FF2B5EF4-FFF2-40B4-BE49-F238E27FC236}">
+                <a16:creationId xmlns:a16="http://schemas.microsoft.com/office/drawing/2014/main" id="{6539CAFE-166A-3383-85DE-5C73A0CA67CB}"/>
+              </a:ext>
+            </a:extLst>
+          </p:cNvPr>
           <p:cNvSpPr>
             <a:spLocks noGrp="1"/>
           </p:cNvSpPr>
@@ -632,7 +729,7 @@
           <a:bodyPr/>
           <a:lstStyle/>
           <a:p>
-            <a:fld id="{8BFD84FC-7286-4632-BCBC-D6434BFD3364}" type="slidenum">
+            <a:fld id="{9500EB2A-E1A3-4E65-98B6-F67A4516D232}" type="slidenum">
               <a:rPr lang="zh-TW" altLang="en-US" smtClean="0"/>
               <a:t>‹#›</a:t>
             </a:fld>
@@ -643,7 +740,7 @@
     </p:spTree>
     <p:extLst>
       <p:ext uri="{BB962C8B-B14F-4D97-AF65-F5344CB8AC3E}">
-        <p14:creationId xmlns:p14="http://schemas.microsoft.com/office/powerpoint/2010/main" val="1938513282"/>
+        <p14:creationId xmlns:p14="http://schemas.microsoft.com/office/powerpoint/2010/main" val="212226487"/>
       </p:ext>
     </p:extLst>
   </p:cSld>
@@ -655,7 +752,7 @@
 
 <file path=ppt/slideLayouts/slideLayout2.xml><?xml version="1.0" encoding="utf-8"?>
 <p:sldLayout xmlns:a="http://schemas.openxmlformats.org/drawingml/2006/main" xmlns:r="http://schemas.openxmlformats.org/officeDocument/2006/relationships" xmlns:p="http://schemas.openxmlformats.org/presentationml/2006/main" type="obj" preserve="1">
-  <p:cSld name="標題及物件">
+  <p:cSld name="標題及內容">
     <p:spTree>
       <p:nvGrpSpPr>
         <p:cNvPr id="1" name=""/>
@@ -672,7 +769,13 @@
       </p:grpSpPr>
       <p:sp>
         <p:nvSpPr>
-          <p:cNvPr id="2" name="標題 1"/>
+          <p:cNvPr id="2" name="標題 1">
+            <a:extLst>
+              <a:ext uri="{FF2B5EF4-FFF2-40B4-BE49-F238E27FC236}">
+                <a16:creationId xmlns:a16="http://schemas.microsoft.com/office/drawing/2014/main" id="{CA2C53C7-5B2A-C79F-DD51-68F2D8690D99}"/>
+              </a:ext>
+            </a:extLst>
+          </p:cNvPr>
           <p:cNvSpPr>
             <a:spLocks noGrp="1"/>
           </p:cNvSpPr>
@@ -686,83 +789,93 @@
           <a:lstStyle/>
           <a:p>
             <a:r>
+              <a:rPr lang="zh-TW" altLang="en-US"/>
+              <a:t>按一下以編輯母片標題樣式</a:t>
+            </a:r>
+          </a:p>
+        </p:txBody>
+      </p:sp>
+      <p:sp>
+        <p:nvSpPr>
+          <p:cNvPr id="3" name="內容版面配置區 2">
+            <a:extLst>
+              <a:ext uri="{FF2B5EF4-FFF2-40B4-BE49-F238E27FC236}">
+                <a16:creationId xmlns:a16="http://schemas.microsoft.com/office/drawing/2014/main" id="{6DE8A467-14FD-D8C1-4535-AE0BBA02C93A}"/>
+              </a:ext>
+            </a:extLst>
+          </p:cNvPr>
+          <p:cNvSpPr>
+            <a:spLocks noGrp="1"/>
+          </p:cNvSpPr>
+          <p:nvPr>
+            <p:ph idx="1"/>
+          </p:nvPr>
+        </p:nvSpPr>
+        <p:spPr/>
+        <p:txBody>
+          <a:bodyPr/>
+          <a:lstStyle/>
+          <a:p>
+            <a:pPr lvl="0"/>
+            <a:r>
+              <a:rPr lang="zh-TW" altLang="en-US"/>
+              <a:t>按一下以編輯母片文字樣式</a:t>
+            </a:r>
+          </a:p>
+          <a:p>
+            <a:pPr lvl="1"/>
+            <a:r>
+              <a:rPr lang="zh-TW" altLang="en-US"/>
+              <a:t>第二層</a:t>
+            </a:r>
+          </a:p>
+          <a:p>
+            <a:pPr lvl="2"/>
+            <a:r>
+              <a:rPr lang="zh-TW" altLang="en-US"/>
+              <a:t>第三層</a:t>
+            </a:r>
+          </a:p>
+          <a:p>
+            <a:pPr lvl="3"/>
+            <a:r>
+              <a:rPr lang="zh-TW" altLang="en-US"/>
+              <a:t>第四層</a:t>
+            </a:r>
+          </a:p>
+          <a:p>
+            <a:pPr lvl="4"/>
+            <a:r>
+              <a:rPr lang="zh-TW" altLang="en-US"/>
+              <a:t>第五層</a:t>
+            </a:r>
+          </a:p>
+        </p:txBody>
+      </p:sp>
+      <p:sp>
+        <p:nvSpPr>
+          <p:cNvPr id="4" name="日期版面配置區 3">
+            <a:extLst>
+              <a:ext uri="{FF2B5EF4-FFF2-40B4-BE49-F238E27FC236}">
+                <a16:creationId xmlns:a16="http://schemas.microsoft.com/office/drawing/2014/main" id="{AFB1AAF2-9EEA-E265-E494-06AE7CF59964}"/>
+              </a:ext>
+            </a:extLst>
+          </p:cNvPr>
+          <p:cNvSpPr>
+            <a:spLocks noGrp="1"/>
+          </p:cNvSpPr>
+          <p:nvPr>
+            <p:ph type="dt" sz="half" idx="10"/>
+          </p:nvPr>
+        </p:nvSpPr>
+        <p:spPr/>
+        <p:txBody>
+          <a:bodyPr/>
+          <a:lstStyle/>
+          <a:p>
+            <a:fld id="{7930418E-7F5E-431C-BA81-B0F288EB4F20}" type="datetimeFigureOut">
               <a:rPr lang="zh-TW" altLang="en-US" smtClean="0"/>
-              <a:t>按一下以編輯母片標題樣式</a:t>
-            </a:r>
-            <a:endParaRPr lang="zh-TW" altLang="en-US"/>
-          </a:p>
-        </p:txBody>
-      </p:sp>
-      <p:sp>
-        <p:nvSpPr>
-          <p:cNvPr id="3" name="內容版面配置區 2"/>
-          <p:cNvSpPr>
-            <a:spLocks noGrp="1"/>
-          </p:cNvSpPr>
-          <p:nvPr>
-            <p:ph idx="1"/>
-          </p:nvPr>
-        </p:nvSpPr>
-        <p:spPr/>
-        <p:txBody>
-          <a:bodyPr/>
-          <a:lstStyle/>
-          <a:p>
-            <a:pPr lvl="0"/>
-            <a:r>
-              <a:rPr lang="zh-TW" altLang="en-US" smtClean="0"/>
-              <a:t>編輯母片文字樣式</a:t>
-            </a:r>
-          </a:p>
-          <a:p>
-            <a:pPr lvl="1"/>
-            <a:r>
-              <a:rPr lang="zh-TW" altLang="en-US" smtClean="0"/>
-              <a:t>第二層</a:t>
-            </a:r>
-          </a:p>
-          <a:p>
-            <a:pPr lvl="2"/>
-            <a:r>
-              <a:rPr lang="zh-TW" altLang="en-US" smtClean="0"/>
-              <a:t>第三層</a:t>
-            </a:r>
-          </a:p>
-          <a:p>
-            <a:pPr lvl="3"/>
-            <a:r>
-              <a:rPr lang="zh-TW" altLang="en-US" smtClean="0"/>
-              <a:t>第四層</a:t>
-            </a:r>
-          </a:p>
-          <a:p>
-            <a:pPr lvl="4"/>
-            <a:r>
-              <a:rPr lang="zh-TW" altLang="en-US" smtClean="0"/>
-              <a:t>第五層</a:t>
-            </a:r>
-            <a:endParaRPr lang="zh-TW" altLang="en-US"/>
-          </a:p>
-        </p:txBody>
-      </p:sp>
-      <p:sp>
-        <p:nvSpPr>
-          <p:cNvPr id="4" name="日期版面配置區 3"/>
-          <p:cNvSpPr>
-            <a:spLocks noGrp="1"/>
-          </p:cNvSpPr>
-          <p:nvPr>
-            <p:ph type="dt" sz="half" idx="10"/>
-          </p:nvPr>
-        </p:nvSpPr>
-        <p:spPr/>
-        <p:txBody>
-          <a:bodyPr/>
-          <a:lstStyle/>
-          <a:p>
-            <a:fld id="{AD65E3E4-765C-4AD4-A365-31222F682729}" type="datetimeFigureOut">
-              <a:rPr lang="zh-TW" altLang="en-US" smtClean="0"/>
-              <a:t>2025/5/6</a:t>
+              <a:t>2025/5/14</a:t>
             </a:fld>
             <a:endParaRPr lang="zh-TW" altLang="en-US"/>
           </a:p>
@@ -770,7 +883,13 @@
       </p:sp>
       <p:sp>
         <p:nvSpPr>
-          <p:cNvPr id="5" name="頁尾版面配置區 4"/>
+          <p:cNvPr id="5" name="頁尾版面配置區 4">
+            <a:extLst>
+              <a:ext uri="{FF2B5EF4-FFF2-40B4-BE49-F238E27FC236}">
+                <a16:creationId xmlns:a16="http://schemas.microsoft.com/office/drawing/2014/main" id="{794E8A7A-76BF-B0E7-55DF-19F814ABACA1}"/>
+              </a:ext>
+            </a:extLst>
+          </p:cNvPr>
           <p:cNvSpPr>
             <a:spLocks noGrp="1"/>
           </p:cNvSpPr>
@@ -789,7 +908,13 @@
       </p:sp>
       <p:sp>
         <p:nvSpPr>
-          <p:cNvPr id="6" name="投影片編號版面配置區 5"/>
+          <p:cNvPr id="6" name="投影片編號版面配置區 5">
+            <a:extLst>
+              <a:ext uri="{FF2B5EF4-FFF2-40B4-BE49-F238E27FC236}">
+                <a16:creationId xmlns:a16="http://schemas.microsoft.com/office/drawing/2014/main" id="{474042A5-4339-89D3-39F1-26FA0E61441C}"/>
+              </a:ext>
+            </a:extLst>
+          </p:cNvPr>
           <p:cNvSpPr>
             <a:spLocks noGrp="1"/>
           </p:cNvSpPr>
@@ -802,7 +927,7 @@
           <a:bodyPr/>
           <a:lstStyle/>
           <a:p>
-            <a:fld id="{8BFD84FC-7286-4632-BCBC-D6434BFD3364}" type="slidenum">
+            <a:fld id="{9500EB2A-E1A3-4E65-98B6-F67A4516D232}" type="slidenum">
               <a:rPr lang="zh-TW" altLang="en-US" smtClean="0"/>
               <a:t>‹#›</a:t>
             </a:fld>
@@ -813,7 +938,7 @@
     </p:spTree>
     <p:extLst>
       <p:ext uri="{BB962C8B-B14F-4D97-AF65-F5344CB8AC3E}">
-        <p14:creationId xmlns:p14="http://schemas.microsoft.com/office/powerpoint/2010/main" val="966146391"/>
+        <p14:creationId xmlns:p14="http://schemas.microsoft.com/office/powerpoint/2010/main" val="3984487550"/>
       </p:ext>
     </p:extLst>
   </p:cSld>
@@ -842,7 +967,13 @@
       </p:grpSpPr>
       <p:sp>
         <p:nvSpPr>
-          <p:cNvPr id="2" name="標題 1"/>
+          <p:cNvPr id="2" name="標題 1">
+            <a:extLst>
+              <a:ext uri="{FF2B5EF4-FFF2-40B4-BE49-F238E27FC236}">
+                <a16:creationId xmlns:a16="http://schemas.microsoft.com/office/drawing/2014/main" id="{DEA1C0CF-351F-822F-B097-5CF2B5C2A07A}"/>
+              </a:ext>
+            </a:extLst>
+          </p:cNvPr>
           <p:cNvSpPr>
             <a:spLocks noGrp="1"/>
           </p:cNvSpPr>
@@ -865,16 +996,21 @@
           </a:lstStyle>
           <a:p>
             <a:r>
-              <a:rPr lang="zh-TW" altLang="en-US" smtClean="0"/>
+              <a:rPr lang="zh-TW" altLang="en-US"/>
               <a:t>按一下以編輯母片標題樣式</a:t>
             </a:r>
-            <a:endParaRPr lang="zh-TW" altLang="en-US"/>
-          </a:p>
-        </p:txBody>
-      </p:sp>
-      <p:sp>
-        <p:nvSpPr>
-          <p:cNvPr id="3" name="文字版面配置區 2"/>
+          </a:p>
+        </p:txBody>
+      </p:sp>
+      <p:sp>
+        <p:nvSpPr>
+          <p:cNvPr id="3" name="文字版面配置區 2">
+            <a:extLst>
+              <a:ext uri="{FF2B5EF4-FFF2-40B4-BE49-F238E27FC236}">
+                <a16:creationId xmlns:a16="http://schemas.microsoft.com/office/drawing/2014/main" id="{0D33AEA5-EE37-83F3-15FB-CBAC1663D635}"/>
+              </a:ext>
+            </a:extLst>
+          </p:cNvPr>
           <p:cNvSpPr>
             <a:spLocks noGrp="1"/>
           </p:cNvSpPr>
@@ -896,7 +1032,7 @@
               <a:defRPr sz="2400">
                 <a:solidFill>
                   <a:schemeClr val="tx1">
-                    <a:tint val="75000"/>
+                    <a:tint val="82000"/>
                   </a:schemeClr>
                 </a:solidFill>
               </a:defRPr>
@@ -906,7 +1042,7 @@
               <a:defRPr sz="2000">
                 <a:solidFill>
                   <a:schemeClr val="tx1">
-                    <a:tint val="75000"/>
+                    <a:tint val="82000"/>
                   </a:schemeClr>
                 </a:solidFill>
               </a:defRPr>
@@ -916,7 +1052,7 @@
               <a:defRPr sz="1800">
                 <a:solidFill>
                   <a:schemeClr val="tx1">
-                    <a:tint val="75000"/>
+                    <a:tint val="82000"/>
                   </a:schemeClr>
                 </a:solidFill>
               </a:defRPr>
@@ -926,7 +1062,7 @@
               <a:defRPr sz="1600">
                 <a:solidFill>
                   <a:schemeClr val="tx1">
-                    <a:tint val="75000"/>
+                    <a:tint val="82000"/>
                   </a:schemeClr>
                 </a:solidFill>
               </a:defRPr>
@@ -936,7 +1072,7 @@
               <a:defRPr sz="1600">
                 <a:solidFill>
                   <a:schemeClr val="tx1">
-                    <a:tint val="75000"/>
+                    <a:tint val="82000"/>
                   </a:schemeClr>
                 </a:solidFill>
               </a:defRPr>
@@ -946,7 +1082,7 @@
               <a:defRPr sz="1600">
                 <a:solidFill>
                   <a:schemeClr val="tx1">
-                    <a:tint val="75000"/>
+                    <a:tint val="82000"/>
                   </a:schemeClr>
                 </a:solidFill>
               </a:defRPr>
@@ -956,7 +1092,7 @@
               <a:defRPr sz="1600">
                 <a:solidFill>
                   <a:schemeClr val="tx1">
-                    <a:tint val="75000"/>
+                    <a:tint val="82000"/>
                   </a:schemeClr>
                 </a:solidFill>
               </a:defRPr>
@@ -966,7 +1102,7 @@
               <a:defRPr sz="1600">
                 <a:solidFill>
                   <a:schemeClr val="tx1">
-                    <a:tint val="75000"/>
+                    <a:tint val="82000"/>
                   </a:schemeClr>
                 </a:solidFill>
               </a:defRPr>
@@ -976,7 +1112,7 @@
               <a:defRPr sz="1600">
                 <a:solidFill>
                   <a:schemeClr val="tx1">
-                    <a:tint val="75000"/>
+                    <a:tint val="82000"/>
                   </a:schemeClr>
                 </a:solidFill>
               </a:defRPr>
@@ -985,30 +1121,36 @@
           <a:p>
             <a:pPr lvl="0"/>
             <a:r>
+              <a:rPr lang="zh-TW" altLang="en-US"/>
+              <a:t>按一下以編輯母片文字樣式</a:t>
+            </a:r>
+          </a:p>
+        </p:txBody>
+      </p:sp>
+      <p:sp>
+        <p:nvSpPr>
+          <p:cNvPr id="4" name="日期版面配置區 3">
+            <a:extLst>
+              <a:ext uri="{FF2B5EF4-FFF2-40B4-BE49-F238E27FC236}">
+                <a16:creationId xmlns:a16="http://schemas.microsoft.com/office/drawing/2014/main" id="{681A7FDE-0E69-132E-14BD-B94D8B775838}"/>
+              </a:ext>
+            </a:extLst>
+          </p:cNvPr>
+          <p:cNvSpPr>
+            <a:spLocks noGrp="1"/>
+          </p:cNvSpPr>
+          <p:nvPr>
+            <p:ph type="dt" sz="half" idx="10"/>
+          </p:nvPr>
+        </p:nvSpPr>
+        <p:spPr/>
+        <p:txBody>
+          <a:bodyPr/>
+          <a:lstStyle/>
+          <a:p>
+            <a:fld id="{7930418E-7F5E-431C-BA81-B0F288EB4F20}" type="datetimeFigureOut">
               <a:rPr lang="zh-TW" altLang="en-US" smtClean="0"/>
-              <a:t>編輯母片文字樣式</a:t>
-            </a:r>
-          </a:p>
-        </p:txBody>
-      </p:sp>
-      <p:sp>
-        <p:nvSpPr>
-          <p:cNvPr id="4" name="日期版面配置區 3"/>
-          <p:cNvSpPr>
-            <a:spLocks noGrp="1"/>
-          </p:cNvSpPr>
-          <p:nvPr>
-            <p:ph type="dt" sz="half" idx="10"/>
-          </p:nvPr>
-        </p:nvSpPr>
-        <p:spPr/>
-        <p:txBody>
-          <a:bodyPr/>
-          <a:lstStyle/>
-          <a:p>
-            <a:fld id="{AD65E3E4-765C-4AD4-A365-31222F682729}" type="datetimeFigureOut">
-              <a:rPr lang="zh-TW" altLang="en-US" smtClean="0"/>
-              <a:t>2025/5/6</a:t>
+              <a:t>2025/5/14</a:t>
             </a:fld>
             <a:endParaRPr lang="zh-TW" altLang="en-US"/>
           </a:p>
@@ -1016,7 +1158,13 @@
       </p:sp>
       <p:sp>
         <p:nvSpPr>
-          <p:cNvPr id="5" name="頁尾版面配置區 4"/>
+          <p:cNvPr id="5" name="頁尾版面配置區 4">
+            <a:extLst>
+              <a:ext uri="{FF2B5EF4-FFF2-40B4-BE49-F238E27FC236}">
+                <a16:creationId xmlns:a16="http://schemas.microsoft.com/office/drawing/2014/main" id="{DE86F222-0DA7-99FF-CAA3-F01EF34E69F9}"/>
+              </a:ext>
+            </a:extLst>
+          </p:cNvPr>
           <p:cNvSpPr>
             <a:spLocks noGrp="1"/>
           </p:cNvSpPr>
@@ -1035,7 +1183,13 @@
       </p:sp>
       <p:sp>
         <p:nvSpPr>
-          <p:cNvPr id="6" name="投影片編號版面配置區 5"/>
+          <p:cNvPr id="6" name="投影片編號版面配置區 5">
+            <a:extLst>
+              <a:ext uri="{FF2B5EF4-FFF2-40B4-BE49-F238E27FC236}">
+                <a16:creationId xmlns:a16="http://schemas.microsoft.com/office/drawing/2014/main" id="{921E6AC1-11FD-7BEF-B95E-89CE5DEA6E7F}"/>
+              </a:ext>
+            </a:extLst>
+          </p:cNvPr>
           <p:cNvSpPr>
             <a:spLocks noGrp="1"/>
           </p:cNvSpPr>
@@ -1048,7 +1202,7 @@
           <a:bodyPr/>
           <a:lstStyle/>
           <a:p>
-            <a:fld id="{8BFD84FC-7286-4632-BCBC-D6434BFD3364}" type="slidenum">
+            <a:fld id="{9500EB2A-E1A3-4E65-98B6-F67A4516D232}" type="slidenum">
               <a:rPr lang="zh-TW" altLang="en-US" smtClean="0"/>
               <a:t>‹#›</a:t>
             </a:fld>
@@ -1059,7 +1213,7 @@
     </p:spTree>
     <p:extLst>
       <p:ext uri="{BB962C8B-B14F-4D97-AF65-F5344CB8AC3E}">
-        <p14:creationId xmlns:p14="http://schemas.microsoft.com/office/powerpoint/2010/main" val="2602507524"/>
+        <p14:creationId xmlns:p14="http://schemas.microsoft.com/office/powerpoint/2010/main" val="2287888350"/>
       </p:ext>
     </p:extLst>
   </p:cSld>
@@ -1071,7 +1225,7 @@
 
 <file path=ppt/slideLayouts/slideLayout4.xml><?xml version="1.0" encoding="utf-8"?>
 <p:sldLayout xmlns:a="http://schemas.openxmlformats.org/drawingml/2006/main" xmlns:r="http://schemas.openxmlformats.org/officeDocument/2006/relationships" xmlns:p="http://schemas.openxmlformats.org/presentationml/2006/main" type="twoObj" preserve="1">
-  <p:cSld name="兩項物件">
+  <p:cSld name="兩個內容">
     <p:spTree>
       <p:nvGrpSpPr>
         <p:cNvPr id="1" name=""/>
@@ -1088,7 +1242,13 @@
       </p:grpSpPr>
       <p:sp>
         <p:nvSpPr>
-          <p:cNvPr id="2" name="標題 1"/>
+          <p:cNvPr id="2" name="標題 1">
+            <a:extLst>
+              <a:ext uri="{FF2B5EF4-FFF2-40B4-BE49-F238E27FC236}">
+                <a16:creationId xmlns:a16="http://schemas.microsoft.com/office/drawing/2014/main" id="{FA4FD59F-D344-B995-1768-942B6C4DE4B5}"/>
+              </a:ext>
+            </a:extLst>
+          </p:cNvPr>
           <p:cNvSpPr>
             <a:spLocks noGrp="1"/>
           </p:cNvSpPr>
@@ -1102,16 +1262,21 @@
           <a:lstStyle/>
           <a:p>
             <a:r>
-              <a:rPr lang="zh-TW" altLang="en-US" smtClean="0"/>
+              <a:rPr lang="zh-TW" altLang="en-US"/>
               <a:t>按一下以編輯母片標題樣式</a:t>
             </a:r>
-            <a:endParaRPr lang="zh-TW" altLang="en-US"/>
-          </a:p>
-        </p:txBody>
-      </p:sp>
-      <p:sp>
-        <p:nvSpPr>
-          <p:cNvPr id="3" name="內容版面配置區 2"/>
+          </a:p>
+        </p:txBody>
+      </p:sp>
+      <p:sp>
+        <p:nvSpPr>
+          <p:cNvPr id="3" name="內容版面配置區 2">
+            <a:extLst>
+              <a:ext uri="{FF2B5EF4-FFF2-40B4-BE49-F238E27FC236}">
+                <a16:creationId xmlns:a16="http://schemas.microsoft.com/office/drawing/2014/main" id="{32DD72D5-6709-65B2-EE5C-0A6882DF8795}"/>
+              </a:ext>
+            </a:extLst>
+          </p:cNvPr>
           <p:cNvSpPr>
             <a:spLocks noGrp="1"/>
           </p:cNvSpPr>
@@ -1131,44 +1296,49 @@
           <a:p>
             <a:pPr lvl="0"/>
             <a:r>
-              <a:rPr lang="zh-TW" altLang="en-US" smtClean="0"/>
-              <a:t>編輯母片文字樣式</a:t>
+              <a:rPr lang="zh-TW" altLang="en-US"/>
+              <a:t>按一下以編輯母片文字樣式</a:t>
             </a:r>
           </a:p>
           <a:p>
             <a:pPr lvl="1"/>
             <a:r>
-              <a:rPr lang="zh-TW" altLang="en-US" smtClean="0"/>
+              <a:rPr lang="zh-TW" altLang="en-US"/>
               <a:t>第二層</a:t>
             </a:r>
           </a:p>
           <a:p>
             <a:pPr lvl="2"/>
             <a:r>
-              <a:rPr lang="zh-TW" altLang="en-US" smtClean="0"/>
+              <a:rPr lang="zh-TW" altLang="en-US"/>
               <a:t>第三層</a:t>
             </a:r>
           </a:p>
           <a:p>
             <a:pPr lvl="3"/>
             <a:r>
-              <a:rPr lang="zh-TW" altLang="en-US" smtClean="0"/>
+              <a:rPr lang="zh-TW" altLang="en-US"/>
               <a:t>第四層</a:t>
             </a:r>
           </a:p>
           <a:p>
             <a:pPr lvl="4"/>
             <a:r>
-              <a:rPr lang="zh-TW" altLang="en-US" smtClean="0"/>
+              <a:rPr lang="zh-TW" altLang="en-US"/>
               <a:t>第五層</a:t>
             </a:r>
-            <a:endParaRPr lang="zh-TW" altLang="en-US"/>
-          </a:p>
-        </p:txBody>
-      </p:sp>
-      <p:sp>
-        <p:nvSpPr>
-          <p:cNvPr id="4" name="內容版面配置區 3"/>
+          </a:p>
+        </p:txBody>
+      </p:sp>
+      <p:sp>
+        <p:nvSpPr>
+          <p:cNvPr id="4" name="內容版面配置區 3">
+            <a:extLst>
+              <a:ext uri="{FF2B5EF4-FFF2-40B4-BE49-F238E27FC236}">
+                <a16:creationId xmlns:a16="http://schemas.microsoft.com/office/drawing/2014/main" id="{33B0EF05-9E96-6950-BFA9-BEC8EF27300E}"/>
+              </a:ext>
+            </a:extLst>
+          </p:cNvPr>
           <p:cNvSpPr>
             <a:spLocks noGrp="1"/>
           </p:cNvSpPr>
@@ -1188,59 +1358,64 @@
           <a:p>
             <a:pPr lvl="0"/>
             <a:r>
+              <a:rPr lang="zh-TW" altLang="en-US"/>
+              <a:t>按一下以編輯母片文字樣式</a:t>
+            </a:r>
+          </a:p>
+          <a:p>
+            <a:pPr lvl="1"/>
+            <a:r>
+              <a:rPr lang="zh-TW" altLang="en-US"/>
+              <a:t>第二層</a:t>
+            </a:r>
+          </a:p>
+          <a:p>
+            <a:pPr lvl="2"/>
+            <a:r>
+              <a:rPr lang="zh-TW" altLang="en-US"/>
+              <a:t>第三層</a:t>
+            </a:r>
+          </a:p>
+          <a:p>
+            <a:pPr lvl="3"/>
+            <a:r>
+              <a:rPr lang="zh-TW" altLang="en-US"/>
+              <a:t>第四層</a:t>
+            </a:r>
+          </a:p>
+          <a:p>
+            <a:pPr lvl="4"/>
+            <a:r>
+              <a:rPr lang="zh-TW" altLang="en-US"/>
+              <a:t>第五層</a:t>
+            </a:r>
+          </a:p>
+        </p:txBody>
+      </p:sp>
+      <p:sp>
+        <p:nvSpPr>
+          <p:cNvPr id="5" name="日期版面配置區 4">
+            <a:extLst>
+              <a:ext uri="{FF2B5EF4-FFF2-40B4-BE49-F238E27FC236}">
+                <a16:creationId xmlns:a16="http://schemas.microsoft.com/office/drawing/2014/main" id="{736F5DE8-C23A-5E53-7CD8-D6E5ACF2E118}"/>
+              </a:ext>
+            </a:extLst>
+          </p:cNvPr>
+          <p:cNvSpPr>
+            <a:spLocks noGrp="1"/>
+          </p:cNvSpPr>
+          <p:nvPr>
+            <p:ph type="dt" sz="half" idx="10"/>
+          </p:nvPr>
+        </p:nvSpPr>
+        <p:spPr/>
+        <p:txBody>
+          <a:bodyPr/>
+          <a:lstStyle/>
+          <a:p>
+            <a:fld id="{7930418E-7F5E-431C-BA81-B0F288EB4F20}" type="datetimeFigureOut">
               <a:rPr lang="zh-TW" altLang="en-US" smtClean="0"/>
-              <a:t>編輯母片文字樣式</a:t>
-            </a:r>
-          </a:p>
-          <a:p>
-            <a:pPr lvl="1"/>
-            <a:r>
-              <a:rPr lang="zh-TW" altLang="en-US" smtClean="0"/>
-              <a:t>第二層</a:t>
-            </a:r>
-          </a:p>
-          <a:p>
-            <a:pPr lvl="2"/>
-            <a:r>
-              <a:rPr lang="zh-TW" altLang="en-US" smtClean="0"/>
-              <a:t>第三層</a:t>
-            </a:r>
-          </a:p>
-          <a:p>
-            <a:pPr lvl="3"/>
-            <a:r>
-              <a:rPr lang="zh-TW" altLang="en-US" smtClean="0"/>
-              <a:t>第四層</a:t>
-            </a:r>
-          </a:p>
-          <a:p>
-            <a:pPr lvl="4"/>
-            <a:r>
-              <a:rPr lang="zh-TW" altLang="en-US" smtClean="0"/>
-              <a:t>第五層</a:t>
-            </a:r>
-            <a:endParaRPr lang="zh-TW" altLang="en-US"/>
-          </a:p>
-        </p:txBody>
-      </p:sp>
-      <p:sp>
-        <p:nvSpPr>
-          <p:cNvPr id="5" name="日期版面配置區 4"/>
-          <p:cNvSpPr>
-            <a:spLocks noGrp="1"/>
-          </p:cNvSpPr>
-          <p:nvPr>
-            <p:ph type="dt" sz="half" idx="10"/>
-          </p:nvPr>
-        </p:nvSpPr>
-        <p:spPr/>
-        <p:txBody>
-          <a:bodyPr/>
-          <a:lstStyle/>
-          <a:p>
-            <a:fld id="{AD65E3E4-765C-4AD4-A365-31222F682729}" type="datetimeFigureOut">
-              <a:rPr lang="zh-TW" altLang="en-US" smtClean="0"/>
-              <a:t>2025/5/6</a:t>
+              <a:t>2025/5/14</a:t>
             </a:fld>
             <a:endParaRPr lang="zh-TW" altLang="en-US"/>
           </a:p>
@@ -1248,7 +1423,13 @@
       </p:sp>
       <p:sp>
         <p:nvSpPr>
-          <p:cNvPr id="6" name="頁尾版面配置區 5"/>
+          <p:cNvPr id="6" name="頁尾版面配置區 5">
+            <a:extLst>
+              <a:ext uri="{FF2B5EF4-FFF2-40B4-BE49-F238E27FC236}">
+                <a16:creationId xmlns:a16="http://schemas.microsoft.com/office/drawing/2014/main" id="{BF1A6AAF-0753-1385-AB7B-2763A97FABFD}"/>
+              </a:ext>
+            </a:extLst>
+          </p:cNvPr>
           <p:cNvSpPr>
             <a:spLocks noGrp="1"/>
           </p:cNvSpPr>
@@ -1267,7 +1448,13 @@
       </p:sp>
       <p:sp>
         <p:nvSpPr>
-          <p:cNvPr id="7" name="投影片編號版面配置區 6"/>
+          <p:cNvPr id="7" name="投影片編號版面配置區 6">
+            <a:extLst>
+              <a:ext uri="{FF2B5EF4-FFF2-40B4-BE49-F238E27FC236}">
+                <a16:creationId xmlns:a16="http://schemas.microsoft.com/office/drawing/2014/main" id="{0C945786-1A2F-30E7-14AB-D35E0CEB590C}"/>
+              </a:ext>
+            </a:extLst>
+          </p:cNvPr>
           <p:cNvSpPr>
             <a:spLocks noGrp="1"/>
           </p:cNvSpPr>
@@ -1280,7 +1467,7 @@
           <a:bodyPr/>
           <a:lstStyle/>
           <a:p>
-            <a:fld id="{8BFD84FC-7286-4632-BCBC-D6434BFD3364}" type="slidenum">
+            <a:fld id="{9500EB2A-E1A3-4E65-98B6-F67A4516D232}" type="slidenum">
               <a:rPr lang="zh-TW" altLang="en-US" smtClean="0"/>
               <a:t>‹#›</a:t>
             </a:fld>
@@ -1291,7 +1478,7 @@
     </p:spTree>
     <p:extLst>
       <p:ext uri="{BB962C8B-B14F-4D97-AF65-F5344CB8AC3E}">
-        <p14:creationId xmlns:p14="http://schemas.microsoft.com/office/powerpoint/2010/main" val="910282299"/>
+        <p14:creationId xmlns:p14="http://schemas.microsoft.com/office/powerpoint/2010/main" val="3422650752"/>
       </p:ext>
     </p:extLst>
   </p:cSld>
@@ -1303,7 +1490,7 @@
 
 <file path=ppt/slideLayouts/slideLayout5.xml><?xml version="1.0" encoding="utf-8"?>
 <p:sldLayout xmlns:a="http://schemas.openxmlformats.org/drawingml/2006/main" xmlns:r="http://schemas.openxmlformats.org/officeDocument/2006/relationships" xmlns:p="http://schemas.openxmlformats.org/presentationml/2006/main" type="twoTxTwoObj" preserve="1">
-  <p:cSld name="比對">
+  <p:cSld name="比較">
     <p:spTree>
       <p:nvGrpSpPr>
         <p:cNvPr id="1" name=""/>
@@ -1320,7 +1507,13 @@
       </p:grpSpPr>
       <p:sp>
         <p:nvSpPr>
-          <p:cNvPr id="2" name="標題 1"/>
+          <p:cNvPr id="2" name="標題 1">
+            <a:extLst>
+              <a:ext uri="{FF2B5EF4-FFF2-40B4-BE49-F238E27FC236}">
+                <a16:creationId xmlns:a16="http://schemas.microsoft.com/office/drawing/2014/main" id="{0BF141D5-4CC8-541F-C593-6F3A0A5DF50A}"/>
+              </a:ext>
+            </a:extLst>
+          </p:cNvPr>
           <p:cNvSpPr>
             <a:spLocks noGrp="1"/>
           </p:cNvSpPr>
@@ -1339,16 +1532,21 @@
           <a:lstStyle/>
           <a:p>
             <a:r>
-              <a:rPr lang="zh-TW" altLang="en-US" smtClean="0"/>
+              <a:rPr lang="zh-TW" altLang="en-US"/>
               <a:t>按一下以編輯母片標題樣式</a:t>
             </a:r>
-            <a:endParaRPr lang="zh-TW" altLang="en-US"/>
-          </a:p>
-        </p:txBody>
-      </p:sp>
-      <p:sp>
-        <p:nvSpPr>
-          <p:cNvPr id="3" name="文字版面配置區 2"/>
+          </a:p>
+        </p:txBody>
+      </p:sp>
+      <p:sp>
+        <p:nvSpPr>
+          <p:cNvPr id="3" name="文字版面配置區 2">
+            <a:extLst>
+              <a:ext uri="{FF2B5EF4-FFF2-40B4-BE49-F238E27FC236}">
+                <a16:creationId xmlns:a16="http://schemas.microsoft.com/office/drawing/2014/main" id="{DB81BACB-ACDC-02B6-E5DC-CD929D238131}"/>
+              </a:ext>
+            </a:extLst>
+          </p:cNvPr>
           <p:cNvSpPr>
             <a:spLocks noGrp="1"/>
           </p:cNvSpPr>
@@ -1405,15 +1603,21 @@
           <a:p>
             <a:pPr lvl="0"/>
             <a:r>
-              <a:rPr lang="zh-TW" altLang="en-US" smtClean="0"/>
-              <a:t>編輯母片文字樣式</a:t>
-            </a:r>
-          </a:p>
-        </p:txBody>
-      </p:sp>
-      <p:sp>
-        <p:nvSpPr>
-          <p:cNvPr id="4" name="內容版面配置區 3"/>
+              <a:rPr lang="zh-TW" altLang="en-US"/>
+              <a:t>按一下以編輯母片文字樣式</a:t>
+            </a:r>
+          </a:p>
+        </p:txBody>
+      </p:sp>
+      <p:sp>
+        <p:nvSpPr>
+          <p:cNvPr id="4" name="內容版面配置區 3">
+            <a:extLst>
+              <a:ext uri="{FF2B5EF4-FFF2-40B4-BE49-F238E27FC236}">
+                <a16:creationId xmlns:a16="http://schemas.microsoft.com/office/drawing/2014/main" id="{FA6D074C-DD38-003E-3E45-1BDC424E1D0A}"/>
+              </a:ext>
+            </a:extLst>
+          </p:cNvPr>
           <p:cNvSpPr>
             <a:spLocks noGrp="1"/>
           </p:cNvSpPr>
@@ -1433,44 +1637,49 @@
           <a:p>
             <a:pPr lvl="0"/>
             <a:r>
-              <a:rPr lang="zh-TW" altLang="en-US" smtClean="0"/>
-              <a:t>編輯母片文字樣式</a:t>
+              <a:rPr lang="zh-TW" altLang="en-US"/>
+              <a:t>按一下以編輯母片文字樣式</a:t>
             </a:r>
           </a:p>
           <a:p>
             <a:pPr lvl="1"/>
             <a:r>
-              <a:rPr lang="zh-TW" altLang="en-US" smtClean="0"/>
+              <a:rPr lang="zh-TW" altLang="en-US"/>
               <a:t>第二層</a:t>
             </a:r>
           </a:p>
           <a:p>
             <a:pPr lvl="2"/>
             <a:r>
-              <a:rPr lang="zh-TW" altLang="en-US" smtClean="0"/>
+              <a:rPr lang="zh-TW" altLang="en-US"/>
               <a:t>第三層</a:t>
             </a:r>
           </a:p>
           <a:p>
             <a:pPr lvl="3"/>
             <a:r>
-              <a:rPr lang="zh-TW" altLang="en-US" smtClean="0"/>
+              <a:rPr lang="zh-TW" altLang="en-US"/>
               <a:t>第四層</a:t>
             </a:r>
           </a:p>
           <a:p>
             <a:pPr lvl="4"/>
             <a:r>
-              <a:rPr lang="zh-TW" altLang="en-US" smtClean="0"/>
+              <a:rPr lang="zh-TW" altLang="en-US"/>
               <a:t>第五層</a:t>
             </a:r>
-            <a:endParaRPr lang="zh-TW" altLang="en-US"/>
-          </a:p>
-        </p:txBody>
-      </p:sp>
-      <p:sp>
-        <p:nvSpPr>
-          <p:cNvPr id="5" name="文字版面配置區 4"/>
+          </a:p>
+        </p:txBody>
+      </p:sp>
+      <p:sp>
+        <p:nvSpPr>
+          <p:cNvPr id="5" name="文字版面配置區 4">
+            <a:extLst>
+              <a:ext uri="{FF2B5EF4-FFF2-40B4-BE49-F238E27FC236}">
+                <a16:creationId xmlns:a16="http://schemas.microsoft.com/office/drawing/2014/main" id="{B80CB3F9-2C3F-502F-5F73-77ADEE212B52}"/>
+              </a:ext>
+            </a:extLst>
+          </p:cNvPr>
           <p:cNvSpPr>
             <a:spLocks noGrp="1"/>
           </p:cNvSpPr>
@@ -1527,15 +1736,21 @@
           <a:p>
             <a:pPr lvl="0"/>
             <a:r>
-              <a:rPr lang="zh-TW" altLang="en-US" smtClean="0"/>
-              <a:t>編輯母片文字樣式</a:t>
-            </a:r>
-          </a:p>
-        </p:txBody>
-      </p:sp>
-      <p:sp>
-        <p:nvSpPr>
-          <p:cNvPr id="6" name="內容版面配置區 5"/>
+              <a:rPr lang="zh-TW" altLang="en-US"/>
+              <a:t>按一下以編輯母片文字樣式</a:t>
+            </a:r>
+          </a:p>
+        </p:txBody>
+      </p:sp>
+      <p:sp>
+        <p:nvSpPr>
+          <p:cNvPr id="6" name="內容版面配置區 5">
+            <a:extLst>
+              <a:ext uri="{FF2B5EF4-FFF2-40B4-BE49-F238E27FC236}">
+                <a16:creationId xmlns:a16="http://schemas.microsoft.com/office/drawing/2014/main" id="{24A592DA-DAD9-9354-F986-497D0123AE0C}"/>
+              </a:ext>
+            </a:extLst>
+          </p:cNvPr>
           <p:cNvSpPr>
             <a:spLocks noGrp="1"/>
           </p:cNvSpPr>
@@ -1555,59 +1770,64 @@
           <a:p>
             <a:pPr lvl="0"/>
             <a:r>
+              <a:rPr lang="zh-TW" altLang="en-US"/>
+              <a:t>按一下以編輯母片文字樣式</a:t>
+            </a:r>
+          </a:p>
+          <a:p>
+            <a:pPr lvl="1"/>
+            <a:r>
+              <a:rPr lang="zh-TW" altLang="en-US"/>
+              <a:t>第二層</a:t>
+            </a:r>
+          </a:p>
+          <a:p>
+            <a:pPr lvl="2"/>
+            <a:r>
+              <a:rPr lang="zh-TW" altLang="en-US"/>
+              <a:t>第三層</a:t>
+            </a:r>
+          </a:p>
+          <a:p>
+            <a:pPr lvl="3"/>
+            <a:r>
+              <a:rPr lang="zh-TW" altLang="en-US"/>
+              <a:t>第四層</a:t>
+            </a:r>
+          </a:p>
+          <a:p>
+            <a:pPr lvl="4"/>
+            <a:r>
+              <a:rPr lang="zh-TW" altLang="en-US"/>
+              <a:t>第五層</a:t>
+            </a:r>
+          </a:p>
+        </p:txBody>
+      </p:sp>
+      <p:sp>
+        <p:nvSpPr>
+          <p:cNvPr id="7" name="日期版面配置區 6">
+            <a:extLst>
+              <a:ext uri="{FF2B5EF4-FFF2-40B4-BE49-F238E27FC236}">
+                <a16:creationId xmlns:a16="http://schemas.microsoft.com/office/drawing/2014/main" id="{774A261E-775F-AEB0-85D7-9EB3816C652A}"/>
+              </a:ext>
+            </a:extLst>
+          </p:cNvPr>
+          <p:cNvSpPr>
+            <a:spLocks noGrp="1"/>
+          </p:cNvSpPr>
+          <p:nvPr>
+            <p:ph type="dt" sz="half" idx="10"/>
+          </p:nvPr>
+        </p:nvSpPr>
+        <p:spPr/>
+        <p:txBody>
+          <a:bodyPr/>
+          <a:lstStyle/>
+          <a:p>
+            <a:fld id="{7930418E-7F5E-431C-BA81-B0F288EB4F20}" type="datetimeFigureOut">
               <a:rPr lang="zh-TW" altLang="en-US" smtClean="0"/>
-              <a:t>編輯母片文字樣式</a:t>
-            </a:r>
-          </a:p>
-          <a:p>
-            <a:pPr lvl="1"/>
-            <a:r>
-              <a:rPr lang="zh-TW" altLang="en-US" smtClean="0"/>
-              <a:t>第二層</a:t>
-            </a:r>
-          </a:p>
-          <a:p>
-            <a:pPr lvl="2"/>
-            <a:r>
-              <a:rPr lang="zh-TW" altLang="en-US" smtClean="0"/>
-              <a:t>第三層</a:t>
-            </a:r>
-          </a:p>
-          <a:p>
-            <a:pPr lvl="3"/>
-            <a:r>
-              <a:rPr lang="zh-TW" altLang="en-US" smtClean="0"/>
-              <a:t>第四層</a:t>
-            </a:r>
-          </a:p>
-          <a:p>
-            <a:pPr lvl="4"/>
-            <a:r>
-              <a:rPr lang="zh-TW" altLang="en-US" smtClean="0"/>
-              <a:t>第五層</a:t>
-            </a:r>
-            <a:endParaRPr lang="zh-TW" altLang="en-US"/>
-          </a:p>
-        </p:txBody>
-      </p:sp>
-      <p:sp>
-        <p:nvSpPr>
-          <p:cNvPr id="7" name="日期版面配置區 6"/>
-          <p:cNvSpPr>
-            <a:spLocks noGrp="1"/>
-          </p:cNvSpPr>
-          <p:nvPr>
-            <p:ph type="dt" sz="half" idx="10"/>
-          </p:nvPr>
-        </p:nvSpPr>
-        <p:spPr/>
-        <p:txBody>
-          <a:bodyPr/>
-          <a:lstStyle/>
-          <a:p>
-            <a:fld id="{AD65E3E4-765C-4AD4-A365-31222F682729}" type="datetimeFigureOut">
-              <a:rPr lang="zh-TW" altLang="en-US" smtClean="0"/>
-              <a:t>2025/5/6</a:t>
+              <a:t>2025/5/14</a:t>
             </a:fld>
             <a:endParaRPr lang="zh-TW" altLang="en-US"/>
           </a:p>
@@ -1615,7 +1835,13 @@
       </p:sp>
       <p:sp>
         <p:nvSpPr>
-          <p:cNvPr id="8" name="頁尾版面配置區 7"/>
+          <p:cNvPr id="8" name="頁尾版面配置區 7">
+            <a:extLst>
+              <a:ext uri="{FF2B5EF4-FFF2-40B4-BE49-F238E27FC236}">
+                <a16:creationId xmlns:a16="http://schemas.microsoft.com/office/drawing/2014/main" id="{2B42D2F5-1C31-0137-848A-2FA2B9BFBCA8}"/>
+              </a:ext>
+            </a:extLst>
+          </p:cNvPr>
           <p:cNvSpPr>
             <a:spLocks noGrp="1"/>
           </p:cNvSpPr>
@@ -1634,7 +1860,13 @@
       </p:sp>
       <p:sp>
         <p:nvSpPr>
-          <p:cNvPr id="9" name="投影片編號版面配置區 8"/>
+          <p:cNvPr id="9" name="投影片編號版面配置區 8">
+            <a:extLst>
+              <a:ext uri="{FF2B5EF4-FFF2-40B4-BE49-F238E27FC236}">
+                <a16:creationId xmlns:a16="http://schemas.microsoft.com/office/drawing/2014/main" id="{2C4E20E4-D0EB-BE3A-A5D5-A7E008395D46}"/>
+              </a:ext>
+            </a:extLst>
+          </p:cNvPr>
           <p:cNvSpPr>
             <a:spLocks noGrp="1"/>
           </p:cNvSpPr>
@@ -1647,7 +1879,7 @@
           <a:bodyPr/>
           <a:lstStyle/>
           <a:p>
-            <a:fld id="{8BFD84FC-7286-4632-BCBC-D6434BFD3364}" type="slidenum">
+            <a:fld id="{9500EB2A-E1A3-4E65-98B6-F67A4516D232}" type="slidenum">
               <a:rPr lang="zh-TW" altLang="en-US" smtClean="0"/>
               <a:t>‹#›</a:t>
             </a:fld>
@@ -1658,7 +1890,7 @@
     </p:spTree>
     <p:extLst>
       <p:ext uri="{BB962C8B-B14F-4D97-AF65-F5344CB8AC3E}">
-        <p14:creationId xmlns:p14="http://schemas.microsoft.com/office/powerpoint/2010/main" val="3629701294"/>
+        <p14:creationId xmlns:p14="http://schemas.microsoft.com/office/powerpoint/2010/main" val="3763161941"/>
       </p:ext>
     </p:extLst>
   </p:cSld>
@@ -1687,7 +1919,13 @@
       </p:grpSpPr>
       <p:sp>
         <p:nvSpPr>
-          <p:cNvPr id="2" name="標題 1"/>
+          <p:cNvPr id="2" name="標題 1">
+            <a:extLst>
+              <a:ext uri="{FF2B5EF4-FFF2-40B4-BE49-F238E27FC236}">
+                <a16:creationId xmlns:a16="http://schemas.microsoft.com/office/drawing/2014/main" id="{676F8848-90D3-AAF9-637D-7D91FF37C585}"/>
+              </a:ext>
+            </a:extLst>
+          </p:cNvPr>
           <p:cNvSpPr>
             <a:spLocks noGrp="1"/>
           </p:cNvSpPr>
@@ -1701,31 +1939,36 @@
           <a:lstStyle/>
           <a:p>
             <a:r>
+              <a:rPr lang="zh-TW" altLang="en-US"/>
+              <a:t>按一下以編輯母片標題樣式</a:t>
+            </a:r>
+          </a:p>
+        </p:txBody>
+      </p:sp>
+      <p:sp>
+        <p:nvSpPr>
+          <p:cNvPr id="3" name="日期版面配置區 2">
+            <a:extLst>
+              <a:ext uri="{FF2B5EF4-FFF2-40B4-BE49-F238E27FC236}">
+                <a16:creationId xmlns:a16="http://schemas.microsoft.com/office/drawing/2014/main" id="{11BAB718-1B8B-4F2C-4E3B-E08E79D7B988}"/>
+              </a:ext>
+            </a:extLst>
+          </p:cNvPr>
+          <p:cNvSpPr>
+            <a:spLocks noGrp="1"/>
+          </p:cNvSpPr>
+          <p:nvPr>
+            <p:ph type="dt" sz="half" idx="10"/>
+          </p:nvPr>
+        </p:nvSpPr>
+        <p:spPr/>
+        <p:txBody>
+          <a:bodyPr/>
+          <a:lstStyle/>
+          <a:p>
+            <a:fld id="{7930418E-7F5E-431C-BA81-B0F288EB4F20}" type="datetimeFigureOut">
               <a:rPr lang="zh-TW" altLang="en-US" smtClean="0"/>
-              <a:t>按一下以編輯母片標題樣式</a:t>
-            </a:r>
-            <a:endParaRPr lang="zh-TW" altLang="en-US"/>
-          </a:p>
-        </p:txBody>
-      </p:sp>
-      <p:sp>
-        <p:nvSpPr>
-          <p:cNvPr id="3" name="日期版面配置區 2"/>
-          <p:cNvSpPr>
-            <a:spLocks noGrp="1"/>
-          </p:cNvSpPr>
-          <p:nvPr>
-            <p:ph type="dt" sz="half" idx="10"/>
-          </p:nvPr>
-        </p:nvSpPr>
-        <p:spPr/>
-        <p:txBody>
-          <a:bodyPr/>
-          <a:lstStyle/>
-          <a:p>
-            <a:fld id="{AD65E3E4-765C-4AD4-A365-31222F682729}" type="datetimeFigureOut">
-              <a:rPr lang="zh-TW" altLang="en-US" smtClean="0"/>
-              <a:t>2025/5/6</a:t>
+              <a:t>2025/5/14</a:t>
             </a:fld>
             <a:endParaRPr lang="zh-TW" altLang="en-US"/>
           </a:p>
@@ -1733,7 +1976,13 @@
       </p:sp>
       <p:sp>
         <p:nvSpPr>
-          <p:cNvPr id="4" name="頁尾版面配置區 3"/>
+          <p:cNvPr id="4" name="頁尾版面配置區 3">
+            <a:extLst>
+              <a:ext uri="{FF2B5EF4-FFF2-40B4-BE49-F238E27FC236}">
+                <a16:creationId xmlns:a16="http://schemas.microsoft.com/office/drawing/2014/main" id="{6F03AF34-190C-A51E-9916-A03527329535}"/>
+              </a:ext>
+            </a:extLst>
+          </p:cNvPr>
           <p:cNvSpPr>
             <a:spLocks noGrp="1"/>
           </p:cNvSpPr>
@@ -1752,7 +2001,13 @@
       </p:sp>
       <p:sp>
         <p:nvSpPr>
-          <p:cNvPr id="5" name="投影片編號版面配置區 4"/>
+          <p:cNvPr id="5" name="投影片編號版面配置區 4">
+            <a:extLst>
+              <a:ext uri="{FF2B5EF4-FFF2-40B4-BE49-F238E27FC236}">
+                <a16:creationId xmlns:a16="http://schemas.microsoft.com/office/drawing/2014/main" id="{C6414113-C344-2EF4-C8C7-5FB55314294E}"/>
+              </a:ext>
+            </a:extLst>
+          </p:cNvPr>
           <p:cNvSpPr>
             <a:spLocks noGrp="1"/>
           </p:cNvSpPr>
@@ -1765,7 +2020,7 @@
           <a:bodyPr/>
           <a:lstStyle/>
           <a:p>
-            <a:fld id="{8BFD84FC-7286-4632-BCBC-D6434BFD3364}" type="slidenum">
+            <a:fld id="{9500EB2A-E1A3-4E65-98B6-F67A4516D232}" type="slidenum">
               <a:rPr lang="zh-TW" altLang="en-US" smtClean="0"/>
               <a:t>‹#›</a:t>
             </a:fld>
@@ -1776,7 +2031,7 @@
     </p:spTree>
     <p:extLst>
       <p:ext uri="{BB962C8B-B14F-4D97-AF65-F5344CB8AC3E}">
-        <p14:creationId xmlns:p14="http://schemas.microsoft.com/office/powerpoint/2010/main" val="1282707181"/>
+        <p14:creationId xmlns:p14="http://schemas.microsoft.com/office/powerpoint/2010/main" val="1456399941"/>
       </p:ext>
     </p:extLst>
   </p:cSld>
@@ -1805,7 +2060,13 @@
       </p:grpSpPr>
       <p:sp>
         <p:nvSpPr>
-          <p:cNvPr id="2" name="日期版面配置區 1"/>
+          <p:cNvPr id="2" name="日期版面配置區 1">
+            <a:extLst>
+              <a:ext uri="{FF2B5EF4-FFF2-40B4-BE49-F238E27FC236}">
+                <a16:creationId xmlns:a16="http://schemas.microsoft.com/office/drawing/2014/main" id="{B758D12E-2C7C-70BA-DDD0-31AFBF78B140}"/>
+              </a:ext>
+            </a:extLst>
+          </p:cNvPr>
           <p:cNvSpPr>
             <a:spLocks noGrp="1"/>
           </p:cNvSpPr>
@@ -1818,9 +2079,9 @@
           <a:bodyPr/>
           <a:lstStyle/>
           <a:p>
-            <a:fld id="{AD65E3E4-765C-4AD4-A365-31222F682729}" type="datetimeFigureOut">
+            <a:fld id="{7930418E-7F5E-431C-BA81-B0F288EB4F20}" type="datetimeFigureOut">
               <a:rPr lang="zh-TW" altLang="en-US" smtClean="0"/>
-              <a:t>2025/5/6</a:t>
+              <a:t>2025/5/14</a:t>
             </a:fld>
             <a:endParaRPr lang="zh-TW" altLang="en-US"/>
           </a:p>
@@ -1828,7 +2089,13 @@
       </p:sp>
       <p:sp>
         <p:nvSpPr>
-          <p:cNvPr id="3" name="頁尾版面配置區 2"/>
+          <p:cNvPr id="3" name="頁尾版面配置區 2">
+            <a:extLst>
+              <a:ext uri="{FF2B5EF4-FFF2-40B4-BE49-F238E27FC236}">
+                <a16:creationId xmlns:a16="http://schemas.microsoft.com/office/drawing/2014/main" id="{F4E8DC71-704C-58B3-2443-BAE6B9E1CC0A}"/>
+              </a:ext>
+            </a:extLst>
+          </p:cNvPr>
           <p:cNvSpPr>
             <a:spLocks noGrp="1"/>
           </p:cNvSpPr>
@@ -1847,7 +2114,13 @@
       </p:sp>
       <p:sp>
         <p:nvSpPr>
-          <p:cNvPr id="4" name="投影片編號版面配置區 3"/>
+          <p:cNvPr id="4" name="投影片編號版面配置區 3">
+            <a:extLst>
+              <a:ext uri="{FF2B5EF4-FFF2-40B4-BE49-F238E27FC236}">
+                <a16:creationId xmlns:a16="http://schemas.microsoft.com/office/drawing/2014/main" id="{25271F6E-28FE-CAD7-D859-9240A9A1AF37}"/>
+              </a:ext>
+            </a:extLst>
+          </p:cNvPr>
           <p:cNvSpPr>
             <a:spLocks noGrp="1"/>
           </p:cNvSpPr>
@@ -1860,7 +2133,7 @@
           <a:bodyPr/>
           <a:lstStyle/>
           <a:p>
-            <a:fld id="{8BFD84FC-7286-4632-BCBC-D6434BFD3364}" type="slidenum">
+            <a:fld id="{9500EB2A-E1A3-4E65-98B6-F67A4516D232}" type="slidenum">
               <a:rPr lang="zh-TW" altLang="en-US" smtClean="0"/>
               <a:t>‹#›</a:t>
             </a:fld>
@@ -1871,7 +2144,7 @@
     </p:spTree>
     <p:extLst>
       <p:ext uri="{BB962C8B-B14F-4D97-AF65-F5344CB8AC3E}">
-        <p14:creationId xmlns:p14="http://schemas.microsoft.com/office/powerpoint/2010/main" val="2534938505"/>
+        <p14:creationId xmlns:p14="http://schemas.microsoft.com/office/powerpoint/2010/main" val="334649304"/>
       </p:ext>
     </p:extLst>
   </p:cSld>
@@ -1883,7 +2156,7 @@
 
 <file path=ppt/slideLayouts/slideLayout8.xml><?xml version="1.0" encoding="utf-8"?>
 <p:sldLayout xmlns:a="http://schemas.openxmlformats.org/drawingml/2006/main" xmlns:r="http://schemas.openxmlformats.org/officeDocument/2006/relationships" xmlns:p="http://schemas.openxmlformats.org/presentationml/2006/main" type="objTx" preserve="1">
-  <p:cSld name="含標題的內容">
+  <p:cSld name="含輔助字幕的內容">
     <p:spTree>
       <p:nvGrpSpPr>
         <p:cNvPr id="1" name=""/>
@@ -1900,7 +2173,13 @@
       </p:grpSpPr>
       <p:sp>
         <p:nvSpPr>
-          <p:cNvPr id="2" name="標題 1"/>
+          <p:cNvPr id="2" name="標題 1">
+            <a:extLst>
+              <a:ext uri="{FF2B5EF4-FFF2-40B4-BE49-F238E27FC236}">
+                <a16:creationId xmlns:a16="http://schemas.microsoft.com/office/drawing/2014/main" id="{5C540949-FC65-E032-4FD9-AE037E788EF6}"/>
+              </a:ext>
+            </a:extLst>
+          </p:cNvPr>
           <p:cNvSpPr>
             <a:spLocks noGrp="1"/>
           </p:cNvSpPr>
@@ -1923,16 +2202,21 @@
           </a:lstStyle>
           <a:p>
             <a:r>
-              <a:rPr lang="zh-TW" altLang="en-US" smtClean="0"/>
+              <a:rPr lang="zh-TW" altLang="en-US"/>
               <a:t>按一下以編輯母片標題樣式</a:t>
             </a:r>
-            <a:endParaRPr lang="zh-TW" altLang="en-US"/>
-          </a:p>
-        </p:txBody>
-      </p:sp>
-      <p:sp>
-        <p:nvSpPr>
-          <p:cNvPr id="3" name="內容版面配置區 2"/>
+          </a:p>
+        </p:txBody>
+      </p:sp>
+      <p:sp>
+        <p:nvSpPr>
+          <p:cNvPr id="3" name="內容版面配置區 2">
+            <a:extLst>
+              <a:ext uri="{FF2B5EF4-FFF2-40B4-BE49-F238E27FC236}">
+                <a16:creationId xmlns:a16="http://schemas.microsoft.com/office/drawing/2014/main" id="{6E27F9BB-0033-1B84-FE86-FD9F0097CC85}"/>
+              </a:ext>
+            </a:extLst>
+          </p:cNvPr>
           <p:cNvSpPr>
             <a:spLocks noGrp="1"/>
           </p:cNvSpPr>
@@ -1980,44 +2264,49 @@
           <a:p>
             <a:pPr lvl="0"/>
             <a:r>
-              <a:rPr lang="zh-TW" altLang="en-US" smtClean="0"/>
-              <a:t>編輯母片文字樣式</a:t>
+              <a:rPr lang="zh-TW" altLang="en-US"/>
+              <a:t>按一下以編輯母片文字樣式</a:t>
             </a:r>
           </a:p>
           <a:p>
             <a:pPr lvl="1"/>
             <a:r>
-              <a:rPr lang="zh-TW" altLang="en-US" smtClean="0"/>
+              <a:rPr lang="zh-TW" altLang="en-US"/>
               <a:t>第二層</a:t>
             </a:r>
           </a:p>
           <a:p>
             <a:pPr lvl="2"/>
             <a:r>
-              <a:rPr lang="zh-TW" altLang="en-US" smtClean="0"/>
+              <a:rPr lang="zh-TW" altLang="en-US"/>
               <a:t>第三層</a:t>
             </a:r>
           </a:p>
           <a:p>
             <a:pPr lvl="3"/>
             <a:r>
-              <a:rPr lang="zh-TW" altLang="en-US" smtClean="0"/>
+              <a:rPr lang="zh-TW" altLang="en-US"/>
               <a:t>第四層</a:t>
             </a:r>
           </a:p>
           <a:p>
             <a:pPr lvl="4"/>
             <a:r>
-              <a:rPr lang="zh-TW" altLang="en-US" smtClean="0"/>
+              <a:rPr lang="zh-TW" altLang="en-US"/>
               <a:t>第五層</a:t>
             </a:r>
-            <a:endParaRPr lang="zh-TW" altLang="en-US"/>
-          </a:p>
-        </p:txBody>
-      </p:sp>
-      <p:sp>
-        <p:nvSpPr>
-          <p:cNvPr id="4" name="文字版面配置區 3"/>
+          </a:p>
+        </p:txBody>
+      </p:sp>
+      <p:sp>
+        <p:nvSpPr>
+          <p:cNvPr id="4" name="文字版面配置區 3">
+            <a:extLst>
+              <a:ext uri="{FF2B5EF4-FFF2-40B4-BE49-F238E27FC236}">
+                <a16:creationId xmlns:a16="http://schemas.microsoft.com/office/drawing/2014/main" id="{C1F7F15B-7273-EA07-3C0F-10FDBBD6CBAB}"/>
+              </a:ext>
+            </a:extLst>
+          </p:cNvPr>
           <p:cNvSpPr>
             <a:spLocks noGrp="1"/>
           </p:cNvSpPr>
@@ -2074,30 +2363,36 @@
           <a:p>
             <a:pPr lvl="0"/>
             <a:r>
+              <a:rPr lang="zh-TW" altLang="en-US"/>
+              <a:t>按一下以編輯母片文字樣式</a:t>
+            </a:r>
+          </a:p>
+        </p:txBody>
+      </p:sp>
+      <p:sp>
+        <p:nvSpPr>
+          <p:cNvPr id="5" name="日期版面配置區 4">
+            <a:extLst>
+              <a:ext uri="{FF2B5EF4-FFF2-40B4-BE49-F238E27FC236}">
+                <a16:creationId xmlns:a16="http://schemas.microsoft.com/office/drawing/2014/main" id="{4C52A4F9-8BBB-A3BA-4567-9F5FB015EB26}"/>
+              </a:ext>
+            </a:extLst>
+          </p:cNvPr>
+          <p:cNvSpPr>
+            <a:spLocks noGrp="1"/>
+          </p:cNvSpPr>
+          <p:nvPr>
+            <p:ph type="dt" sz="half" idx="10"/>
+          </p:nvPr>
+        </p:nvSpPr>
+        <p:spPr/>
+        <p:txBody>
+          <a:bodyPr/>
+          <a:lstStyle/>
+          <a:p>
+            <a:fld id="{7930418E-7F5E-431C-BA81-B0F288EB4F20}" type="datetimeFigureOut">
               <a:rPr lang="zh-TW" altLang="en-US" smtClean="0"/>
-              <a:t>編輯母片文字樣式</a:t>
-            </a:r>
-          </a:p>
-        </p:txBody>
-      </p:sp>
-      <p:sp>
-        <p:nvSpPr>
-          <p:cNvPr id="5" name="日期版面配置區 4"/>
-          <p:cNvSpPr>
-            <a:spLocks noGrp="1"/>
-          </p:cNvSpPr>
-          <p:nvPr>
-            <p:ph type="dt" sz="half" idx="10"/>
-          </p:nvPr>
-        </p:nvSpPr>
-        <p:spPr/>
-        <p:txBody>
-          <a:bodyPr/>
-          <a:lstStyle/>
-          <a:p>
-            <a:fld id="{AD65E3E4-765C-4AD4-A365-31222F682729}" type="datetimeFigureOut">
-              <a:rPr lang="zh-TW" altLang="en-US" smtClean="0"/>
-              <a:t>2025/5/6</a:t>
+              <a:t>2025/5/14</a:t>
             </a:fld>
             <a:endParaRPr lang="zh-TW" altLang="en-US"/>
           </a:p>
@@ -2105,7 +2400,13 @@
       </p:sp>
       <p:sp>
         <p:nvSpPr>
-          <p:cNvPr id="6" name="頁尾版面配置區 5"/>
+          <p:cNvPr id="6" name="頁尾版面配置區 5">
+            <a:extLst>
+              <a:ext uri="{FF2B5EF4-FFF2-40B4-BE49-F238E27FC236}">
+                <a16:creationId xmlns:a16="http://schemas.microsoft.com/office/drawing/2014/main" id="{18C5DA0C-BBB6-9723-02D6-F1C12BDE9FD3}"/>
+              </a:ext>
+            </a:extLst>
+          </p:cNvPr>
           <p:cNvSpPr>
             <a:spLocks noGrp="1"/>
           </p:cNvSpPr>
@@ -2124,7 +2425,13 @@
       </p:sp>
       <p:sp>
         <p:nvSpPr>
-          <p:cNvPr id="7" name="投影片編號版面配置區 6"/>
+          <p:cNvPr id="7" name="投影片編號版面配置區 6">
+            <a:extLst>
+              <a:ext uri="{FF2B5EF4-FFF2-40B4-BE49-F238E27FC236}">
+                <a16:creationId xmlns:a16="http://schemas.microsoft.com/office/drawing/2014/main" id="{CC9C97B7-6405-064E-B74C-395C19EE23F7}"/>
+              </a:ext>
+            </a:extLst>
+          </p:cNvPr>
           <p:cNvSpPr>
             <a:spLocks noGrp="1"/>
           </p:cNvSpPr>
@@ -2137,7 +2444,7 @@
           <a:bodyPr/>
           <a:lstStyle/>
           <a:p>
-            <a:fld id="{8BFD84FC-7286-4632-BCBC-D6434BFD3364}" type="slidenum">
+            <a:fld id="{9500EB2A-E1A3-4E65-98B6-F67A4516D232}" type="slidenum">
               <a:rPr lang="zh-TW" altLang="en-US" smtClean="0"/>
               <a:t>‹#›</a:t>
             </a:fld>
@@ -2148,7 +2455,7 @@
     </p:spTree>
     <p:extLst>
       <p:ext uri="{BB962C8B-B14F-4D97-AF65-F5344CB8AC3E}">
-        <p14:creationId xmlns:p14="http://schemas.microsoft.com/office/powerpoint/2010/main" val="485375654"/>
+        <p14:creationId xmlns:p14="http://schemas.microsoft.com/office/powerpoint/2010/main" val="64410849"/>
       </p:ext>
     </p:extLst>
   </p:cSld>
@@ -2160,7 +2467,7 @@
 
 <file path=ppt/slideLayouts/slideLayout9.xml><?xml version="1.0" encoding="utf-8"?>
 <p:sldLayout xmlns:a="http://schemas.openxmlformats.org/drawingml/2006/main" xmlns:r="http://schemas.openxmlformats.org/officeDocument/2006/relationships" xmlns:p="http://schemas.openxmlformats.org/presentationml/2006/main" type="picTx" preserve="1">
-  <p:cSld name="含標題的圖片">
+  <p:cSld name="含輔助字幕的圖片">
     <p:spTree>
       <p:nvGrpSpPr>
         <p:cNvPr id="1" name=""/>
@@ -2177,7 +2484,13 @@
       </p:grpSpPr>
       <p:sp>
         <p:nvSpPr>
-          <p:cNvPr id="2" name="標題 1"/>
+          <p:cNvPr id="2" name="標題 1">
+            <a:extLst>
+              <a:ext uri="{FF2B5EF4-FFF2-40B4-BE49-F238E27FC236}">
+                <a16:creationId xmlns:a16="http://schemas.microsoft.com/office/drawing/2014/main" id="{7FD5A2D9-1253-9259-4659-BB4371010A1E}"/>
+              </a:ext>
+            </a:extLst>
+          </p:cNvPr>
           <p:cNvSpPr>
             <a:spLocks noGrp="1"/>
           </p:cNvSpPr>
@@ -2200,16 +2513,21 @@
           </a:lstStyle>
           <a:p>
             <a:r>
-              <a:rPr lang="zh-TW" altLang="en-US" smtClean="0"/>
+              <a:rPr lang="zh-TW" altLang="en-US"/>
               <a:t>按一下以編輯母片標題樣式</a:t>
             </a:r>
-            <a:endParaRPr lang="zh-TW" altLang="en-US"/>
-          </a:p>
-        </p:txBody>
-      </p:sp>
-      <p:sp>
-        <p:nvSpPr>
-          <p:cNvPr id="3" name="圖片版面配置區 2"/>
+          </a:p>
+        </p:txBody>
+      </p:sp>
+      <p:sp>
+        <p:nvSpPr>
+          <p:cNvPr id="3" name="圖片版面配置區 2">
+            <a:extLst>
+              <a:ext uri="{FF2B5EF4-FFF2-40B4-BE49-F238E27FC236}">
+                <a16:creationId xmlns:a16="http://schemas.microsoft.com/office/drawing/2014/main" id="{C2BF84BA-205C-18D3-5E47-70B9B4B36BA7}"/>
+              </a:ext>
+            </a:extLst>
+          </p:cNvPr>
           <p:cNvSpPr>
             <a:spLocks noGrp="1"/>
           </p:cNvSpPr>
@@ -2270,7 +2588,13 @@
       </p:sp>
       <p:sp>
         <p:nvSpPr>
-          <p:cNvPr id="4" name="文字版面配置區 3"/>
+          <p:cNvPr id="4" name="文字版面配置區 3">
+            <a:extLst>
+              <a:ext uri="{FF2B5EF4-FFF2-40B4-BE49-F238E27FC236}">
+                <a16:creationId xmlns:a16="http://schemas.microsoft.com/office/drawing/2014/main" id="{9220F33B-85C1-92E1-D4B5-F46EB7449E4C}"/>
+              </a:ext>
+            </a:extLst>
+          </p:cNvPr>
           <p:cNvSpPr>
             <a:spLocks noGrp="1"/>
           </p:cNvSpPr>
@@ -2327,30 +2651,36 @@
           <a:p>
             <a:pPr lvl="0"/>
             <a:r>
+              <a:rPr lang="zh-TW" altLang="en-US"/>
+              <a:t>按一下以編輯母片文字樣式</a:t>
+            </a:r>
+          </a:p>
+        </p:txBody>
+      </p:sp>
+      <p:sp>
+        <p:nvSpPr>
+          <p:cNvPr id="5" name="日期版面配置區 4">
+            <a:extLst>
+              <a:ext uri="{FF2B5EF4-FFF2-40B4-BE49-F238E27FC236}">
+                <a16:creationId xmlns:a16="http://schemas.microsoft.com/office/drawing/2014/main" id="{87C7146E-8F13-4B61-E4AB-199B2F45F062}"/>
+              </a:ext>
+            </a:extLst>
+          </p:cNvPr>
+          <p:cNvSpPr>
+            <a:spLocks noGrp="1"/>
+          </p:cNvSpPr>
+          <p:nvPr>
+            <p:ph type="dt" sz="half" idx="10"/>
+          </p:nvPr>
+        </p:nvSpPr>
+        <p:spPr/>
+        <p:txBody>
+          <a:bodyPr/>
+          <a:lstStyle/>
+          <a:p>
+            <a:fld id="{7930418E-7F5E-431C-BA81-B0F288EB4F20}" type="datetimeFigureOut">
               <a:rPr lang="zh-TW" altLang="en-US" smtClean="0"/>
-              <a:t>編輯母片文字樣式</a:t>
-            </a:r>
-          </a:p>
-        </p:txBody>
-      </p:sp>
-      <p:sp>
-        <p:nvSpPr>
-          <p:cNvPr id="5" name="日期版面配置區 4"/>
-          <p:cNvSpPr>
-            <a:spLocks noGrp="1"/>
-          </p:cNvSpPr>
-          <p:nvPr>
-            <p:ph type="dt" sz="half" idx="10"/>
-          </p:nvPr>
-        </p:nvSpPr>
-        <p:spPr/>
-        <p:txBody>
-          <a:bodyPr/>
-          <a:lstStyle/>
-          <a:p>
-            <a:fld id="{AD65E3E4-765C-4AD4-A365-31222F682729}" type="datetimeFigureOut">
-              <a:rPr lang="zh-TW" altLang="en-US" smtClean="0"/>
-              <a:t>2025/5/6</a:t>
+              <a:t>2025/5/14</a:t>
             </a:fld>
             <a:endParaRPr lang="zh-TW" altLang="en-US"/>
           </a:p>
@@ -2358,7 +2688,13 @@
       </p:sp>
       <p:sp>
         <p:nvSpPr>
-          <p:cNvPr id="6" name="頁尾版面配置區 5"/>
+          <p:cNvPr id="6" name="頁尾版面配置區 5">
+            <a:extLst>
+              <a:ext uri="{FF2B5EF4-FFF2-40B4-BE49-F238E27FC236}">
+                <a16:creationId xmlns:a16="http://schemas.microsoft.com/office/drawing/2014/main" id="{3AB7666E-7EA8-660D-5625-174139E0CA0E}"/>
+              </a:ext>
+            </a:extLst>
+          </p:cNvPr>
           <p:cNvSpPr>
             <a:spLocks noGrp="1"/>
           </p:cNvSpPr>
@@ -2377,7 +2713,13 @@
       </p:sp>
       <p:sp>
         <p:nvSpPr>
-          <p:cNvPr id="7" name="投影片編號版面配置區 6"/>
+          <p:cNvPr id="7" name="投影片編號版面配置區 6">
+            <a:extLst>
+              <a:ext uri="{FF2B5EF4-FFF2-40B4-BE49-F238E27FC236}">
+                <a16:creationId xmlns:a16="http://schemas.microsoft.com/office/drawing/2014/main" id="{366B0863-C2B2-3E2A-2184-A90ADBED2EFD}"/>
+              </a:ext>
+            </a:extLst>
+          </p:cNvPr>
           <p:cNvSpPr>
             <a:spLocks noGrp="1"/>
           </p:cNvSpPr>
@@ -2390,7 +2732,7 @@
           <a:bodyPr/>
           <a:lstStyle/>
           <a:p>
-            <a:fld id="{8BFD84FC-7286-4632-BCBC-D6434BFD3364}" type="slidenum">
+            <a:fld id="{9500EB2A-E1A3-4E65-98B6-F67A4516D232}" type="slidenum">
               <a:rPr lang="zh-TW" altLang="en-US" smtClean="0"/>
               <a:t>‹#›</a:t>
             </a:fld>
@@ -2401,7 +2743,7 @@
     </p:spTree>
     <p:extLst>
       <p:ext uri="{BB962C8B-B14F-4D97-AF65-F5344CB8AC3E}">
-        <p14:creationId xmlns:p14="http://schemas.microsoft.com/office/powerpoint/2010/main" val="1947167750"/>
+        <p14:creationId xmlns:p14="http://schemas.microsoft.com/office/powerpoint/2010/main" val="4083902788"/>
       </p:ext>
     </p:extLst>
   </p:cSld>
@@ -2435,7 +2777,13 @@
       </p:grpSpPr>
       <p:sp>
         <p:nvSpPr>
-          <p:cNvPr id="2" name="標題版面配置區 1"/>
+          <p:cNvPr id="2" name="標題版面配置區 1">
+            <a:extLst>
+              <a:ext uri="{FF2B5EF4-FFF2-40B4-BE49-F238E27FC236}">
+                <a16:creationId xmlns:a16="http://schemas.microsoft.com/office/drawing/2014/main" id="{6D6E8E27-D38F-02B5-D54D-FFC10B9FD462}"/>
+              </a:ext>
+            </a:extLst>
+          </p:cNvPr>
           <p:cNvSpPr>
             <a:spLocks noGrp="1"/>
           </p:cNvSpPr>
@@ -2459,16 +2807,21 @@
           <a:lstStyle/>
           <a:p>
             <a:r>
-              <a:rPr lang="zh-TW" altLang="en-US" smtClean="0"/>
+              <a:rPr lang="zh-TW" altLang="en-US"/>
               <a:t>按一下以編輯母片標題樣式</a:t>
             </a:r>
-            <a:endParaRPr lang="zh-TW" altLang="en-US"/>
-          </a:p>
-        </p:txBody>
-      </p:sp>
-      <p:sp>
-        <p:nvSpPr>
-          <p:cNvPr id="3" name="文字版面配置區 2"/>
+          </a:p>
+        </p:txBody>
+      </p:sp>
+      <p:sp>
+        <p:nvSpPr>
+          <p:cNvPr id="3" name="文字版面配置區 2">
+            <a:extLst>
+              <a:ext uri="{FF2B5EF4-FFF2-40B4-BE49-F238E27FC236}">
+                <a16:creationId xmlns:a16="http://schemas.microsoft.com/office/drawing/2014/main" id="{80664255-2AF5-507F-8A1F-58A660137BA8}"/>
+              </a:ext>
+            </a:extLst>
+          </p:cNvPr>
           <p:cNvSpPr>
             <a:spLocks noGrp="1"/>
           </p:cNvSpPr>
@@ -2493,44 +2846,49 @@
           <a:p>
             <a:pPr lvl="0"/>
             <a:r>
-              <a:rPr lang="zh-TW" altLang="en-US" smtClean="0"/>
-              <a:t>編輯母片文字樣式</a:t>
+              <a:rPr lang="zh-TW" altLang="en-US"/>
+              <a:t>按一下以編輯母片文字樣式</a:t>
             </a:r>
           </a:p>
           <a:p>
             <a:pPr lvl="1"/>
             <a:r>
-              <a:rPr lang="zh-TW" altLang="en-US" smtClean="0"/>
+              <a:rPr lang="zh-TW" altLang="en-US"/>
               <a:t>第二層</a:t>
             </a:r>
           </a:p>
           <a:p>
             <a:pPr lvl="2"/>
             <a:r>
-              <a:rPr lang="zh-TW" altLang="en-US" smtClean="0"/>
+              <a:rPr lang="zh-TW" altLang="en-US"/>
               <a:t>第三層</a:t>
             </a:r>
           </a:p>
           <a:p>
             <a:pPr lvl="3"/>
             <a:r>
-              <a:rPr lang="zh-TW" altLang="en-US" smtClean="0"/>
+              <a:rPr lang="zh-TW" altLang="en-US"/>
               <a:t>第四層</a:t>
             </a:r>
           </a:p>
           <a:p>
             <a:pPr lvl="4"/>
             <a:r>
-              <a:rPr lang="zh-TW" altLang="en-US" smtClean="0"/>
+              <a:rPr lang="zh-TW" altLang="en-US"/>
               <a:t>第五層</a:t>
             </a:r>
-            <a:endParaRPr lang="zh-TW" altLang="en-US"/>
-          </a:p>
-        </p:txBody>
-      </p:sp>
-      <p:sp>
-        <p:nvSpPr>
-          <p:cNvPr id="4" name="日期版面配置區 3"/>
+          </a:p>
+        </p:txBody>
+      </p:sp>
+      <p:sp>
+        <p:nvSpPr>
+          <p:cNvPr id="4" name="日期版面配置區 3">
+            <a:extLst>
+              <a:ext uri="{FF2B5EF4-FFF2-40B4-BE49-F238E27FC236}">
+                <a16:creationId xmlns:a16="http://schemas.microsoft.com/office/drawing/2014/main" id="{34AD5AEF-4809-D6C3-E14D-C0DE1444BE26}"/>
+              </a:ext>
+            </a:extLst>
+          </p:cNvPr>
           <p:cNvSpPr>
             <a:spLocks noGrp="1"/>
           </p:cNvSpPr>
@@ -2554,16 +2912,16 @@
               <a:defRPr sz="1200">
                 <a:solidFill>
                   <a:schemeClr val="tx1">
-                    <a:tint val="75000"/>
+                    <a:tint val="82000"/>
                   </a:schemeClr>
                 </a:solidFill>
               </a:defRPr>
             </a:lvl1pPr>
           </a:lstStyle>
           <a:p>
-            <a:fld id="{AD65E3E4-765C-4AD4-A365-31222F682729}" type="datetimeFigureOut">
+            <a:fld id="{7930418E-7F5E-431C-BA81-B0F288EB4F20}" type="datetimeFigureOut">
               <a:rPr lang="zh-TW" altLang="en-US" smtClean="0"/>
-              <a:t>2025/5/6</a:t>
+              <a:t>2025/5/14</a:t>
             </a:fld>
             <a:endParaRPr lang="zh-TW" altLang="en-US"/>
           </a:p>
@@ -2571,7 +2929,13 @@
       </p:sp>
       <p:sp>
         <p:nvSpPr>
-          <p:cNvPr id="5" name="頁尾版面配置區 4"/>
+          <p:cNvPr id="5" name="頁尾版面配置區 4">
+            <a:extLst>
+              <a:ext uri="{FF2B5EF4-FFF2-40B4-BE49-F238E27FC236}">
+                <a16:creationId xmlns:a16="http://schemas.microsoft.com/office/drawing/2014/main" id="{1346221C-1221-C802-CEC8-EA415F8E6759}"/>
+              </a:ext>
+            </a:extLst>
+          </p:cNvPr>
           <p:cNvSpPr>
             <a:spLocks noGrp="1"/>
           </p:cNvSpPr>
@@ -2595,7 +2959,7 @@
               <a:defRPr sz="1200">
                 <a:solidFill>
                   <a:schemeClr val="tx1">
-                    <a:tint val="75000"/>
+                    <a:tint val="82000"/>
                   </a:schemeClr>
                 </a:solidFill>
               </a:defRPr>
@@ -2608,7 +2972,13 @@
       </p:sp>
       <p:sp>
         <p:nvSpPr>
-          <p:cNvPr id="6" name="投影片編號版面配置區 5"/>
+          <p:cNvPr id="6" name="投影片編號版面配置區 5">
+            <a:extLst>
+              <a:ext uri="{FF2B5EF4-FFF2-40B4-BE49-F238E27FC236}">
+                <a16:creationId xmlns:a16="http://schemas.microsoft.com/office/drawing/2014/main" id="{146BB097-6CD0-F19A-6821-218097F7E34A}"/>
+              </a:ext>
+            </a:extLst>
+          </p:cNvPr>
           <p:cNvSpPr>
             <a:spLocks noGrp="1"/>
           </p:cNvSpPr>
@@ -2632,14 +3002,14 @@
               <a:defRPr sz="1200">
                 <a:solidFill>
                   <a:schemeClr val="tx1">
-                    <a:tint val="75000"/>
+                    <a:tint val="82000"/>
                   </a:schemeClr>
                 </a:solidFill>
               </a:defRPr>
             </a:lvl1pPr>
           </a:lstStyle>
           <a:p>
-            <a:fld id="{8BFD84FC-7286-4632-BCBC-D6434BFD3364}" type="slidenum">
+            <a:fld id="{9500EB2A-E1A3-4E65-98B6-F67A4516D232}" type="slidenum">
               <a:rPr lang="zh-TW" altLang="en-US" smtClean="0"/>
               <a:t>‹#›</a:t>
             </a:fld>
@@ -2650,7 +3020,7 @@
     </p:spTree>
     <p:extLst>
       <p:ext uri="{BB962C8B-B14F-4D97-AF65-F5344CB8AC3E}">
-        <p14:creationId xmlns:p14="http://schemas.microsoft.com/office/powerpoint/2010/main" val="1331166345"/>
+        <p14:creationId xmlns:p14="http://schemas.microsoft.com/office/powerpoint/2010/main" val="1021990681"/>
       </p:ext>
     </p:extLst>
   </p:cSld>
@@ -2987,13 +3357,7 @@
               <a:rPr lang="en-US" altLang="zh-TW" dirty="0">
                 <a:latin typeface="Arial Black" panose="020B0A04020102020204" pitchFamily="34" charset="0"/>
               </a:rPr>
-              <a:t>Python Workshop </a:t>
-            </a:r>
-            <a:r>
-              <a:rPr lang="en-US" altLang="zh-TW" dirty="0" smtClean="0">
-                <a:latin typeface="Arial Black" panose="020B0A04020102020204" pitchFamily="34" charset="0"/>
-              </a:rPr>
-              <a:t>#9</a:t>
+              <a:t>Python Workshop #9</a:t>
             </a:r>
             <a:endParaRPr lang="zh-TW" altLang="en-US" dirty="0">
               <a:latin typeface="Arial Black" panose="020B0A04020102020204" pitchFamily="34" charset="0"/>
@@ -3227,7 +3591,318 @@
     </p:spTree>
     <p:extLst>
       <p:ext uri="{BB962C8B-B14F-4D97-AF65-F5344CB8AC3E}">
-        <p14:creationId xmlns:p14="http://schemas.microsoft.com/office/powerpoint/2010/main" val="750774018"/>
+        <p14:creationId xmlns:p14="http://schemas.microsoft.com/office/powerpoint/2010/main" val="4063763569"/>
+      </p:ext>
+    </p:extLst>
+  </p:cSld>
+  <p:clrMapOvr>
+    <a:masterClrMapping/>
+  </p:clrMapOvr>
+</p:sld>
+</file>
+
+<file path=ppt/slides/slide10.xml><?xml version="1.0" encoding="utf-8"?>
+<p:sld xmlns:a="http://schemas.openxmlformats.org/drawingml/2006/main" xmlns:r="http://schemas.openxmlformats.org/officeDocument/2006/relationships" xmlns:p="http://schemas.openxmlformats.org/presentationml/2006/main">
+  <p:cSld>
+    <p:spTree>
+      <p:nvGrpSpPr>
+        <p:cNvPr id="1" name="">
+          <a:extLst>
+            <a:ext uri="{FF2B5EF4-FFF2-40B4-BE49-F238E27FC236}">
+              <a16:creationId xmlns:a16="http://schemas.microsoft.com/office/drawing/2014/main" id="{67F54857-CA83-E799-1403-FDFB7DEA7553}"/>
+            </a:ext>
+          </a:extLst>
+        </p:cNvPr>
+        <p:cNvGrpSpPr/>
+        <p:nvPr/>
+      </p:nvGrpSpPr>
+      <p:grpSpPr>
+        <a:xfrm>
+          <a:off x="0" y="0"/>
+          <a:ext cx="0" cy="0"/>
+          <a:chOff x="0" y="0"/>
+          <a:chExt cx="0" cy="0"/>
+        </a:xfrm>
+      </p:grpSpPr>
+      <p:sp>
+        <p:nvSpPr>
+          <p:cNvPr id="4" name="標題 3">
+            <a:extLst>
+              <a:ext uri="{FF2B5EF4-FFF2-40B4-BE49-F238E27FC236}">
+                <a16:creationId xmlns:a16="http://schemas.microsoft.com/office/drawing/2014/main" id="{F0179D01-6FEF-EE6B-1B10-485D8E86EEAF}"/>
+              </a:ext>
+            </a:extLst>
+          </p:cNvPr>
+          <p:cNvSpPr>
+            <a:spLocks noGrp="1"/>
+          </p:cNvSpPr>
+          <p:nvPr>
+            <p:ph type="ctrTitle"/>
+          </p:nvPr>
+        </p:nvSpPr>
+        <p:spPr>
+          <a:xfrm>
+            <a:off x="150778" y="321013"/>
+            <a:ext cx="11890443" cy="1068320"/>
+          </a:xfrm>
+        </p:spPr>
+        <p:txBody>
+          <a:bodyPr>
+            <a:normAutofit/>
+          </a:bodyPr>
+          <a:lstStyle/>
+          <a:p>
+            <a:pPr algn="l"/>
+            <a:r>
+              <a:rPr lang="en-US" altLang="zh-TW" sz="4800" dirty="0"/>
+              <a:t>Definition: ordered, mutable, allows duplicates</a:t>
+            </a:r>
+            <a:endParaRPr lang="zh-TW" altLang="en-US" sz="4800" dirty="0"/>
+          </a:p>
+        </p:txBody>
+      </p:sp>
+    </p:spTree>
+    <p:extLst>
+      <p:ext uri="{BB962C8B-B14F-4D97-AF65-F5344CB8AC3E}">
+        <p14:creationId xmlns:p14="http://schemas.microsoft.com/office/powerpoint/2010/main" val="2645117008"/>
+      </p:ext>
+    </p:extLst>
+  </p:cSld>
+  <p:clrMapOvr>
+    <a:masterClrMapping/>
+  </p:clrMapOvr>
+</p:sld>
+</file>
+
+<file path=ppt/slides/slide11.xml><?xml version="1.0" encoding="utf-8"?>
+<p:sld xmlns:a="http://schemas.openxmlformats.org/drawingml/2006/main" xmlns:r="http://schemas.openxmlformats.org/officeDocument/2006/relationships" xmlns:p="http://schemas.openxmlformats.org/presentationml/2006/main">
+  <p:cSld>
+    <p:spTree>
+      <p:nvGrpSpPr>
+        <p:cNvPr id="1" name="">
+          <a:extLst>
+            <a:ext uri="{FF2B5EF4-FFF2-40B4-BE49-F238E27FC236}">
+              <a16:creationId xmlns:a16="http://schemas.microsoft.com/office/drawing/2014/main" id="{B8D381FC-7D97-F38C-3ACB-05DC8D7E9CF0}"/>
+            </a:ext>
+          </a:extLst>
+        </p:cNvPr>
+        <p:cNvGrpSpPr/>
+        <p:nvPr/>
+      </p:nvGrpSpPr>
+      <p:grpSpPr>
+        <a:xfrm>
+          <a:off x="0" y="0"/>
+          <a:ext cx="0" cy="0"/>
+          <a:chOff x="0" y="0"/>
+          <a:chExt cx="0" cy="0"/>
+        </a:xfrm>
+      </p:grpSpPr>
+      <p:sp>
+        <p:nvSpPr>
+          <p:cNvPr id="2" name="標題 1">
+            <a:extLst>
+              <a:ext uri="{FF2B5EF4-FFF2-40B4-BE49-F238E27FC236}">
+                <a16:creationId xmlns:a16="http://schemas.microsoft.com/office/drawing/2014/main" id="{D3B20162-C250-177E-C00C-2B765314FE94}"/>
+              </a:ext>
+            </a:extLst>
+          </p:cNvPr>
+          <p:cNvSpPr>
+            <a:spLocks noGrp="1"/>
+          </p:cNvSpPr>
+          <p:nvPr>
+            <p:ph type="ctrTitle"/>
+          </p:nvPr>
+        </p:nvSpPr>
+        <p:spPr>
+          <a:xfrm>
+            <a:off x="2667000" y="2688482"/>
+            <a:ext cx="6858000" cy="801240"/>
+          </a:xfrm>
+        </p:spPr>
+        <p:txBody>
+          <a:bodyPr>
+            <a:normAutofit fontScale="90000"/>
+          </a:bodyPr>
+          <a:lstStyle/>
+          <a:p>
+            <a:r>
+              <a:rPr lang="en-US" altLang="zh-TW" dirty="0">
+                <a:latin typeface="Arial Black" panose="020B0A04020102020204" pitchFamily="34" charset="0"/>
+              </a:rPr>
+              <a:t>HW #9</a:t>
+            </a:r>
+            <a:endParaRPr lang="zh-TW" altLang="en-US" dirty="0">
+              <a:latin typeface="Arial Black" panose="020B0A04020102020204" pitchFamily="34" charset="0"/>
+            </a:endParaRPr>
+          </a:p>
+        </p:txBody>
+      </p:sp>
+    </p:spTree>
+    <p:extLst>
+      <p:ext uri="{BB962C8B-B14F-4D97-AF65-F5344CB8AC3E}">
+        <p14:creationId xmlns:p14="http://schemas.microsoft.com/office/powerpoint/2010/main" val="2749122431"/>
+      </p:ext>
+    </p:extLst>
+  </p:cSld>
+  <p:clrMapOvr>
+    <a:masterClrMapping/>
+  </p:clrMapOvr>
+</p:sld>
+</file>
+
+<file path=ppt/slides/slide12.xml><?xml version="1.0" encoding="utf-8"?>
+<p:sld xmlns:a="http://schemas.openxmlformats.org/drawingml/2006/main" xmlns:r="http://schemas.openxmlformats.org/officeDocument/2006/relationships" xmlns:p="http://schemas.openxmlformats.org/presentationml/2006/main">
+  <p:cSld>
+    <p:spTree>
+      <p:nvGrpSpPr>
+        <p:cNvPr id="1" name="">
+          <a:extLst>
+            <a:ext uri="{FF2B5EF4-FFF2-40B4-BE49-F238E27FC236}">
+              <a16:creationId xmlns:a16="http://schemas.microsoft.com/office/drawing/2014/main" id="{584C5271-41D2-BDB6-09DA-F92C35748876}"/>
+            </a:ext>
+          </a:extLst>
+        </p:cNvPr>
+        <p:cNvGrpSpPr/>
+        <p:nvPr/>
+      </p:nvGrpSpPr>
+      <p:grpSpPr>
+        <a:xfrm>
+          <a:off x="0" y="0"/>
+          <a:ext cx="0" cy="0"/>
+          <a:chOff x="0" y="0"/>
+          <a:chExt cx="0" cy="0"/>
+        </a:xfrm>
+      </p:grpSpPr>
+      <p:pic>
+        <p:nvPicPr>
+          <p:cNvPr id="8" name="圖片 7">
+            <a:extLst>
+              <a:ext uri="{FF2B5EF4-FFF2-40B4-BE49-F238E27FC236}">
+                <a16:creationId xmlns:a16="http://schemas.microsoft.com/office/drawing/2014/main" id="{E9645EF6-DEEF-F956-10BD-DD087E22C4A3}"/>
+              </a:ext>
+            </a:extLst>
+          </p:cNvPr>
+          <p:cNvPicPr>
+            <a:picLocks noChangeAspect="1"/>
+          </p:cNvPicPr>
+          <p:nvPr/>
+        </p:nvPicPr>
+        <p:blipFill>
+          <a:blip r:embed="rId2"/>
+          <a:stretch>
+            <a:fillRect/>
+          </a:stretch>
+        </p:blipFill>
+        <p:spPr>
+          <a:xfrm>
+            <a:off x="1480493" y="1261760"/>
+            <a:ext cx="9231013" cy="4334480"/>
+          </a:xfrm>
+          <a:prstGeom prst="rect">
+            <a:avLst/>
+          </a:prstGeom>
+        </p:spPr>
+      </p:pic>
+    </p:spTree>
+    <p:extLst>
+      <p:ext uri="{BB962C8B-B14F-4D97-AF65-F5344CB8AC3E}">
+        <p14:creationId xmlns:p14="http://schemas.microsoft.com/office/powerpoint/2010/main" val="831025062"/>
+      </p:ext>
+    </p:extLst>
+  </p:cSld>
+  <p:clrMapOvr>
+    <a:masterClrMapping/>
+  </p:clrMapOvr>
+</p:sld>
+</file>
+
+<file path=ppt/slides/slide13.xml><?xml version="1.0" encoding="utf-8"?>
+<p:sld xmlns:a="http://schemas.openxmlformats.org/drawingml/2006/main" xmlns:r="http://schemas.openxmlformats.org/officeDocument/2006/relationships" xmlns:p="http://schemas.openxmlformats.org/presentationml/2006/main">
+  <p:cSld>
+    <p:spTree>
+      <p:nvGrpSpPr>
+        <p:cNvPr id="1" name="">
+          <a:extLst>
+            <a:ext uri="{FF2B5EF4-FFF2-40B4-BE49-F238E27FC236}">
+              <a16:creationId xmlns:a16="http://schemas.microsoft.com/office/drawing/2014/main" id="{F48CB815-65FF-5C14-A76D-7A05BE9E2E97}"/>
+            </a:ext>
+          </a:extLst>
+        </p:cNvPr>
+        <p:cNvGrpSpPr/>
+        <p:nvPr/>
+      </p:nvGrpSpPr>
+      <p:grpSpPr>
+        <a:xfrm>
+          <a:off x="0" y="0"/>
+          <a:ext cx="0" cy="0"/>
+          <a:chOff x="0" y="0"/>
+          <a:chExt cx="0" cy="0"/>
+        </a:xfrm>
+      </p:grpSpPr>
+      <p:pic>
+        <p:nvPicPr>
+          <p:cNvPr id="4" name="圖片 3">
+            <a:extLst>
+              <a:ext uri="{FF2B5EF4-FFF2-40B4-BE49-F238E27FC236}">
+                <a16:creationId xmlns:a16="http://schemas.microsoft.com/office/drawing/2014/main" id="{E0A8FDAF-1B56-A031-EC9C-1C90ED9DA6EE}"/>
+              </a:ext>
+            </a:extLst>
+          </p:cNvPr>
+          <p:cNvPicPr>
+            <a:picLocks noChangeAspect="1"/>
+          </p:cNvPicPr>
+          <p:nvPr/>
+        </p:nvPicPr>
+        <p:blipFill>
+          <a:blip r:embed="rId2"/>
+          <a:stretch>
+            <a:fillRect/>
+          </a:stretch>
+        </p:blipFill>
+        <p:spPr>
+          <a:xfrm>
+            <a:off x="502418" y="176073"/>
+            <a:ext cx="11187161" cy="903698"/>
+          </a:xfrm>
+          <a:prstGeom prst="rect">
+            <a:avLst/>
+          </a:prstGeom>
+        </p:spPr>
+      </p:pic>
+      <p:pic>
+        <p:nvPicPr>
+          <p:cNvPr id="6" name="圖片 5">
+            <a:extLst>
+              <a:ext uri="{FF2B5EF4-FFF2-40B4-BE49-F238E27FC236}">
+                <a16:creationId xmlns:a16="http://schemas.microsoft.com/office/drawing/2014/main" id="{48257FD1-A117-87AE-C7BF-ABAF4D8B6393}"/>
+              </a:ext>
+            </a:extLst>
+          </p:cNvPr>
+          <p:cNvPicPr>
+            <a:picLocks noChangeAspect="1"/>
+          </p:cNvPicPr>
+          <p:nvPr/>
+        </p:nvPicPr>
+        <p:blipFill>
+          <a:blip r:embed="rId3"/>
+          <a:stretch>
+            <a:fillRect/>
+          </a:stretch>
+        </p:blipFill>
+        <p:spPr>
+          <a:xfrm>
+            <a:off x="3450074" y="1079771"/>
+            <a:ext cx="5291847" cy="5710135"/>
+          </a:xfrm>
+          <a:prstGeom prst="rect">
+            <a:avLst/>
+          </a:prstGeom>
+        </p:spPr>
+      </p:pic>
+    </p:spTree>
+    <p:extLst>
+      <p:ext uri="{BB962C8B-B14F-4D97-AF65-F5344CB8AC3E}">
+        <p14:creationId xmlns:p14="http://schemas.microsoft.com/office/powerpoint/2010/main" val="2449000008"/>
       </p:ext>
     </p:extLst>
   </p:cSld>
@@ -3245,7 +3920,7 @@
         <p:cNvPr id="1" name="">
           <a:extLst>
             <a:ext uri="{FF2B5EF4-FFF2-40B4-BE49-F238E27FC236}">
-              <a16:creationId xmlns:a16="http://schemas.microsoft.com/office/drawing/2014/main" id="{73A0DD4F-2588-BC86-F315-6B5FB75B3E58}"/>
+              <a16:creationId xmlns:a16="http://schemas.microsoft.com/office/drawing/2014/main" id="{E3AE1B20-AB52-5DD0-1344-26C162A5C2B9}"/>
             </a:ext>
           </a:extLst>
         </p:cNvPr>
@@ -3265,7 +3940,7 @@
           <p:cNvPr id="2" name="標題 1">
             <a:extLst>
               <a:ext uri="{FF2B5EF4-FFF2-40B4-BE49-F238E27FC236}">
-                <a16:creationId xmlns:a16="http://schemas.microsoft.com/office/drawing/2014/main" id="{57ABE9AC-862D-FE1D-1F59-2251DFAF331F}"/>
+                <a16:creationId xmlns:a16="http://schemas.microsoft.com/office/drawing/2014/main" id="{3E970A50-1EED-0530-D3E2-CC0FAF2B3A5B}"/>
               </a:ext>
             </a:extLst>
           </p:cNvPr>
@@ -3292,13 +3967,19 @@
               <a:rPr lang="en-US" altLang="zh-TW" dirty="0">
                 <a:latin typeface="Arial Black" panose="020B0A04020102020204" pitchFamily="34" charset="0"/>
               </a:rPr>
-              <a:t>HW </a:t>
-            </a:r>
-            <a:r>
-              <a:rPr lang="en-US" altLang="zh-TW" dirty="0" smtClean="0">
+              <a:t>HW #8</a:t>
+            </a:r>
+            <a:r>
+              <a:rPr lang="zh-TW" altLang="en-US" dirty="0">
                 <a:latin typeface="Arial Black" panose="020B0A04020102020204" pitchFamily="34" charset="0"/>
               </a:rPr>
-              <a:t>#8</a:t>
+              <a:t> </a:t>
+            </a:r>
+            <a:r>
+              <a:rPr lang="en-US" altLang="zh-TW" dirty="0">
+                <a:latin typeface="Arial Black" panose="020B0A04020102020204" pitchFamily="34" charset="0"/>
+              </a:rPr>
+              <a:t>dates</a:t>
             </a:r>
             <a:endParaRPr lang="zh-TW" altLang="en-US" dirty="0">
               <a:latin typeface="Arial Black" panose="020B0A04020102020204" pitchFamily="34" charset="0"/>
@@ -3309,7 +3990,7 @@
     </p:spTree>
     <p:extLst>
       <p:ext uri="{BB962C8B-B14F-4D97-AF65-F5344CB8AC3E}">
-        <p14:creationId xmlns:p14="http://schemas.microsoft.com/office/powerpoint/2010/main" val="4040189957"/>
+        <p14:creationId xmlns:p14="http://schemas.microsoft.com/office/powerpoint/2010/main" val="1486644559"/>
       </p:ext>
     </p:extLst>
   </p:cSld>
@@ -3320,6 +4001,454 @@
 </file>
 
 <file path=ppt/slides/slide3.xml><?xml version="1.0" encoding="utf-8"?>
+<p:sld xmlns:a="http://schemas.openxmlformats.org/drawingml/2006/main" xmlns:r="http://schemas.openxmlformats.org/officeDocument/2006/relationships" xmlns:p="http://schemas.openxmlformats.org/presentationml/2006/main">
+  <p:cSld>
+    <p:spTree>
+      <p:nvGrpSpPr>
+        <p:cNvPr id="1" name=""/>
+        <p:cNvGrpSpPr/>
+        <p:nvPr/>
+      </p:nvGrpSpPr>
+      <p:grpSpPr>
+        <a:xfrm>
+          <a:off x="0" y="0"/>
+          <a:ext cx="0" cy="0"/>
+          <a:chOff x="0" y="0"/>
+          <a:chExt cx="0" cy="0"/>
+        </a:xfrm>
+      </p:grpSpPr>
+      <p:pic>
+        <p:nvPicPr>
+          <p:cNvPr id="3" name="圖片 2">
+            <a:extLst>
+              <a:ext uri="{FF2B5EF4-FFF2-40B4-BE49-F238E27FC236}">
+                <a16:creationId xmlns:a16="http://schemas.microsoft.com/office/drawing/2014/main" id="{274D1245-3E5F-CFED-7136-137026D5615A}"/>
+              </a:ext>
+            </a:extLst>
+          </p:cNvPr>
+          <p:cNvPicPr>
+            <a:picLocks noChangeAspect="1"/>
+          </p:cNvPicPr>
+          <p:nvPr/>
+        </p:nvPicPr>
+        <p:blipFill>
+          <a:blip r:embed="rId2"/>
+          <a:stretch>
+            <a:fillRect/>
+          </a:stretch>
+        </p:blipFill>
+        <p:spPr>
+          <a:xfrm>
+            <a:off x="536941" y="1384160"/>
+            <a:ext cx="11118118" cy="4089680"/>
+          </a:xfrm>
+          <a:prstGeom prst="rect">
+            <a:avLst/>
+          </a:prstGeom>
+        </p:spPr>
+      </p:pic>
+      <p:sp>
+        <p:nvSpPr>
+          <p:cNvPr id="4" name="文字方塊 3">
+            <a:extLst>
+              <a:ext uri="{FF2B5EF4-FFF2-40B4-BE49-F238E27FC236}">
+                <a16:creationId xmlns:a16="http://schemas.microsoft.com/office/drawing/2014/main" id="{A7FC8D4E-576B-5730-51C6-AE808B4D62EB}"/>
+              </a:ext>
+            </a:extLst>
+          </p:cNvPr>
+          <p:cNvSpPr txBox="1"/>
+          <p:nvPr/>
+        </p:nvSpPr>
+        <p:spPr>
+          <a:xfrm>
+            <a:off x="4815192" y="4338535"/>
+            <a:ext cx="2140086" cy="584775"/>
+          </a:xfrm>
+          <a:prstGeom prst="rect">
+            <a:avLst/>
+          </a:prstGeom>
+          <a:noFill/>
+        </p:spPr>
+        <p:txBody>
+          <a:bodyPr wrap="square" rtlCol="0">
+            <a:spAutoFit/>
+          </a:bodyPr>
+          <a:lstStyle/>
+          <a:p>
+            <a:pPr algn="ctr"/>
+            <a:r>
+              <a:rPr lang="en-US" altLang="zh-TW" sz="3200" b="1" dirty="0">
+                <a:solidFill>
+                  <a:srgbClr val="FF0000"/>
+                </a:solidFill>
+                <a:highlight>
+                  <a:srgbClr val="FFFF00"/>
+                </a:highlight>
+              </a:rPr>
+              <a:t>OPTIONAL!</a:t>
+            </a:r>
+            <a:endParaRPr lang="zh-TW" altLang="en-US" sz="3200" b="1" dirty="0">
+              <a:solidFill>
+                <a:srgbClr val="FF0000"/>
+              </a:solidFill>
+              <a:highlight>
+                <a:srgbClr val="FFFF00"/>
+              </a:highlight>
+            </a:endParaRPr>
+          </a:p>
+        </p:txBody>
+      </p:sp>
+    </p:spTree>
+    <p:extLst>
+      <p:ext uri="{BB962C8B-B14F-4D97-AF65-F5344CB8AC3E}">
+        <p14:creationId xmlns:p14="http://schemas.microsoft.com/office/powerpoint/2010/main" val="2608673199"/>
+      </p:ext>
+    </p:extLst>
+  </p:cSld>
+  <p:clrMapOvr>
+    <a:masterClrMapping/>
+  </p:clrMapOvr>
+</p:sld>
+</file>
+
+<file path=ppt/slides/slide4.xml><?xml version="1.0" encoding="utf-8"?>
+<p:sld xmlns:a="http://schemas.openxmlformats.org/drawingml/2006/main" xmlns:r="http://schemas.openxmlformats.org/officeDocument/2006/relationships" xmlns:p="http://schemas.openxmlformats.org/presentationml/2006/main">
+  <p:cSld>
+    <p:spTree>
+      <p:nvGrpSpPr>
+        <p:cNvPr id="1" name="">
+          <a:extLst>
+            <a:ext uri="{FF2B5EF4-FFF2-40B4-BE49-F238E27FC236}">
+              <a16:creationId xmlns:a16="http://schemas.microsoft.com/office/drawing/2014/main" id="{21E2811A-56D2-1E48-DD5D-237CA47B6B4C}"/>
+            </a:ext>
+          </a:extLst>
+        </p:cNvPr>
+        <p:cNvGrpSpPr/>
+        <p:nvPr/>
+      </p:nvGrpSpPr>
+      <p:grpSpPr>
+        <a:xfrm>
+          <a:off x="0" y="0"/>
+          <a:ext cx="0" cy="0"/>
+          <a:chOff x="0" y="0"/>
+          <a:chExt cx="0" cy="0"/>
+        </a:xfrm>
+      </p:grpSpPr>
+      <p:pic>
+        <p:nvPicPr>
+          <p:cNvPr id="5" name="圖片 4">
+            <a:extLst>
+              <a:ext uri="{FF2B5EF4-FFF2-40B4-BE49-F238E27FC236}">
+                <a16:creationId xmlns:a16="http://schemas.microsoft.com/office/drawing/2014/main" id="{94CEE306-ABD1-00DC-0A78-9FAB68D21050}"/>
+              </a:ext>
+            </a:extLst>
+          </p:cNvPr>
+          <p:cNvPicPr>
+            <a:picLocks noChangeAspect="1"/>
+          </p:cNvPicPr>
+          <p:nvPr/>
+        </p:nvPicPr>
+        <p:blipFill>
+          <a:blip r:embed="rId2"/>
+          <a:stretch>
+            <a:fillRect/>
+          </a:stretch>
+        </p:blipFill>
+        <p:spPr>
+          <a:xfrm>
+            <a:off x="1375704" y="375811"/>
+            <a:ext cx="9440592" cy="6106377"/>
+          </a:xfrm>
+          <a:prstGeom prst="rect">
+            <a:avLst/>
+          </a:prstGeom>
+        </p:spPr>
+      </p:pic>
+    </p:spTree>
+    <p:extLst>
+      <p:ext uri="{BB962C8B-B14F-4D97-AF65-F5344CB8AC3E}">
+        <p14:creationId xmlns:p14="http://schemas.microsoft.com/office/powerpoint/2010/main" val="828995444"/>
+      </p:ext>
+    </p:extLst>
+  </p:cSld>
+  <p:clrMapOvr>
+    <a:masterClrMapping/>
+  </p:clrMapOvr>
+</p:sld>
+</file>
+
+<file path=ppt/slides/slide5.xml><?xml version="1.0" encoding="utf-8"?>
+<p:sld xmlns:a="http://schemas.openxmlformats.org/drawingml/2006/main" xmlns:r="http://schemas.openxmlformats.org/officeDocument/2006/relationships" xmlns:p="http://schemas.openxmlformats.org/presentationml/2006/main">
+  <p:cSld>
+    <p:spTree>
+      <p:nvGrpSpPr>
+        <p:cNvPr id="1" name="">
+          <a:extLst>
+            <a:ext uri="{FF2B5EF4-FFF2-40B4-BE49-F238E27FC236}">
+              <a16:creationId xmlns:a16="http://schemas.microsoft.com/office/drawing/2014/main" id="{3813F673-2A5E-4867-85EE-5DD9B7D62035}"/>
+            </a:ext>
+          </a:extLst>
+        </p:cNvPr>
+        <p:cNvGrpSpPr/>
+        <p:nvPr/>
+      </p:nvGrpSpPr>
+      <p:grpSpPr>
+        <a:xfrm>
+          <a:off x="0" y="0"/>
+          <a:ext cx="0" cy="0"/>
+          <a:chOff x="0" y="0"/>
+          <a:chExt cx="0" cy="0"/>
+        </a:xfrm>
+      </p:grpSpPr>
+      <p:sp>
+        <p:nvSpPr>
+          <p:cNvPr id="2" name="Title 1">
+            <a:extLst>
+              <a:ext uri="{FF2B5EF4-FFF2-40B4-BE49-F238E27FC236}">
+                <a16:creationId xmlns:a16="http://schemas.microsoft.com/office/drawing/2014/main" id="{4CD8E585-ADA4-32BE-159B-73529F004495}"/>
+              </a:ext>
+            </a:extLst>
+          </p:cNvPr>
+          <p:cNvSpPr>
+            <a:spLocks noGrp="1"/>
+          </p:cNvSpPr>
+          <p:nvPr>
+            <p:ph type="title"/>
+          </p:nvPr>
+        </p:nvSpPr>
+        <p:spPr/>
+        <p:txBody>
+          <a:bodyPr/>
+          <a:lstStyle/>
+          <a:p>
+            <a:r>
+              <a:rPr lang="zh-TW" altLang="en-US" dirty="0"/>
+              <a:t>注意！</a:t>
+            </a:r>
+            <a:endParaRPr dirty="0"/>
+          </a:p>
+        </p:txBody>
+      </p:sp>
+      <p:sp>
+        <p:nvSpPr>
+          <p:cNvPr id="3" name="Content Placeholder 2">
+            <a:extLst>
+              <a:ext uri="{FF2B5EF4-FFF2-40B4-BE49-F238E27FC236}">
+                <a16:creationId xmlns:a16="http://schemas.microsoft.com/office/drawing/2014/main" id="{8CA280F4-C521-41FB-2A48-F8BA6F956625}"/>
+              </a:ext>
+            </a:extLst>
+          </p:cNvPr>
+          <p:cNvSpPr>
+            <a:spLocks noGrp="1"/>
+          </p:cNvSpPr>
+          <p:nvPr>
+            <p:ph idx="1"/>
+          </p:nvPr>
+        </p:nvSpPr>
+        <p:spPr/>
+        <p:txBody>
+          <a:bodyPr>
+            <a:normAutofit fontScale="92500" lnSpcReduction="20000"/>
+          </a:bodyPr>
+          <a:lstStyle/>
+          <a:p>
+            <a:r>
+              <a:rPr lang="en-US" altLang="zh-TW" dirty="0"/>
+              <a:t>&lt;name&gt;_date.py </a:t>
+            </a:r>
+            <a:r>
+              <a:rPr lang="zh-TW" altLang="en-US" dirty="0"/>
+              <a:t>在 </a:t>
+            </a:r>
+            <a:r>
+              <a:rPr lang="en-US" altLang="zh-TW" dirty="0" err="1"/>
+              <a:t>src</a:t>
+            </a:r>
+            <a:r>
+              <a:rPr lang="zh-TW" altLang="en-US" dirty="0"/>
+              <a:t>，請</a:t>
+            </a:r>
+            <a:r>
+              <a:rPr lang="en-US" altLang="zh-TW" dirty="0"/>
+              <a:t>”</a:t>
+            </a:r>
+            <a:r>
+              <a:rPr lang="zh-TW" altLang="en-US" dirty="0"/>
+              <a:t>直接</a:t>
+            </a:r>
+            <a:r>
+              <a:rPr lang="en-US" altLang="zh-TW" dirty="0"/>
+              <a:t>”</a:t>
+            </a:r>
+            <a:r>
+              <a:rPr lang="zh-TW" altLang="en-US" dirty="0"/>
+              <a:t>編輯。</a:t>
+            </a:r>
+            <a:endParaRPr lang="en-US" altLang="zh-TW" dirty="0"/>
+          </a:p>
+          <a:p>
+            <a:r>
+              <a:rPr lang="zh-TW" altLang="en-US" dirty="0"/>
+              <a:t>目標 </a:t>
+            </a:r>
+            <a:r>
+              <a:rPr lang="en-US" altLang="zh-TW" dirty="0" err="1"/>
+              <a:t>dates.json</a:t>
+            </a:r>
+            <a:r>
+              <a:rPr lang="en-US" altLang="zh-TW" dirty="0"/>
+              <a:t> </a:t>
+            </a:r>
+            <a:r>
+              <a:rPr lang="zh-TW" altLang="en-US" dirty="0"/>
+              <a:t>在 </a:t>
+            </a:r>
+            <a:r>
+              <a:rPr lang="en-US" altLang="zh-TW" dirty="0"/>
+              <a:t>data</a:t>
+            </a:r>
+            <a:r>
+              <a:rPr lang="zh-TW" altLang="en-US" dirty="0"/>
+              <a:t>，要透過相對路徑讀取。</a:t>
+            </a:r>
+            <a:r>
+              <a:rPr lang="en-US" altLang="zh-TW" dirty="0"/>
+              <a:t> </a:t>
+            </a:r>
+          </a:p>
+          <a:p>
+            <a:r>
+              <a:rPr lang="zh-TW" altLang="en-US" dirty="0"/>
+              <a:t>思考如何讓 </a:t>
+            </a:r>
+            <a:r>
+              <a:rPr lang="en-US" altLang="zh-TW" dirty="0" err="1"/>
+              <a:t>func</a:t>
+            </a:r>
+            <a:r>
+              <a:rPr lang="en-US" altLang="zh-TW" dirty="0"/>
+              <a:t> </a:t>
+            </a:r>
+            <a:r>
+              <a:rPr lang="zh-TW" altLang="en-US" dirty="0"/>
+              <a:t>回傳含有兩個 </a:t>
+            </a:r>
+            <a:r>
+              <a:rPr lang="en-US" altLang="zh-TW" dirty="0"/>
+              <a:t>list</a:t>
+            </a:r>
+            <a:r>
+              <a:rPr lang="zh-TW" altLang="en-US" dirty="0"/>
+              <a:t> 的 </a:t>
+            </a:r>
+            <a:r>
+              <a:rPr lang="en-US" altLang="zh-TW" dirty="0" err="1"/>
+              <a:t>dict</a:t>
+            </a:r>
+            <a:endParaRPr lang="en-US" altLang="zh-TW" dirty="0"/>
+          </a:p>
+          <a:p>
+            <a:r>
+              <a:rPr lang="zh-TW" altLang="en-US" dirty="0"/>
+              <a:t>記得觀察 </a:t>
+            </a:r>
+            <a:r>
+              <a:rPr lang="en-US" altLang="zh-TW" dirty="0"/>
+              <a:t>data</a:t>
+            </a:r>
+            <a:r>
+              <a:rPr lang="zh-TW" altLang="en-US" dirty="0"/>
+              <a:t>，</a:t>
+            </a:r>
+            <a:r>
+              <a:rPr lang="zh-TW" altLang="en-US" b="1" dirty="0">
+                <a:solidFill>
+                  <a:srgbClr val="FF0000"/>
+                </a:solidFill>
+              </a:rPr>
+              <a:t>觀察並歸納 </a:t>
+            </a:r>
+            <a:r>
+              <a:rPr lang="zh-TW" altLang="en-US" dirty="0"/>
+              <a:t>可能的日期格式</a:t>
+            </a:r>
+            <a:endParaRPr lang="en-US" altLang="zh-TW" dirty="0"/>
+          </a:p>
+          <a:p>
+            <a:r>
+              <a:rPr lang="en-US" dirty="0" err="1"/>
+              <a:t>func</a:t>
+            </a:r>
+            <a:r>
+              <a:rPr lang="zh-TW" altLang="en-US" dirty="0"/>
+              <a:t> 只拿一個 </a:t>
+            </a:r>
+            <a:r>
+              <a:rPr lang="en-US" altLang="zh-TW" dirty="0" err="1"/>
+              <a:t>filePATH</a:t>
+            </a:r>
+            <a:r>
+              <a:rPr lang="en-US" dirty="0"/>
+              <a:t> </a:t>
+            </a:r>
+          </a:p>
+          <a:p>
+            <a:endParaRPr lang="en-US" dirty="0"/>
+          </a:p>
+          <a:p>
+            <a:r>
+              <a:rPr lang="en-US" sz="2000" dirty="0"/>
+              <a:t>File: https://medium.com/ccclub/ccclub-python-for-beginners-tutorial-bf0648108581</a:t>
+            </a:r>
+          </a:p>
+          <a:p>
+            <a:r>
+              <a:rPr lang="en-US" sz="2000" dirty="0"/>
+              <a:t>JSON: https://www.w3schools.com/python/python_json.asp</a:t>
+            </a:r>
+          </a:p>
+          <a:p>
+            <a:r>
+              <a:rPr lang="en-US" sz="2000" dirty="0"/>
+              <a:t>List: </a:t>
+            </a:r>
+            <a:r>
+              <a:rPr lang="en-US" sz="2000" dirty="0">
+                <a:hlinkClick r:id="rId2"/>
+              </a:rPr>
+              <a:t>https://www.w3schools.com/python/python_lists.asp</a:t>
+            </a:r>
+            <a:endParaRPr lang="en-US" sz="2000" dirty="0"/>
+          </a:p>
+          <a:p>
+            <a:r>
+              <a:rPr lang="en-US" sz="2000" dirty="0"/>
+              <a:t>Dictionary: https://www.w3schools.com/python/python_dictionaries.asp</a:t>
+            </a:r>
+          </a:p>
+          <a:p>
+            <a:r>
+              <a:rPr lang="de-DE" sz="2000" dirty="0"/>
+              <a:t>Regex: https://www.w3schools.com/python/python_regex.asp</a:t>
+            </a:r>
+            <a:endParaRPr sz="2000" dirty="0"/>
+          </a:p>
+        </p:txBody>
+      </p:sp>
+    </p:spTree>
+    <p:extLst>
+      <p:ext uri="{BB962C8B-B14F-4D97-AF65-F5344CB8AC3E}">
+        <p14:creationId xmlns:p14="http://schemas.microsoft.com/office/powerpoint/2010/main" val="1402134514"/>
+      </p:ext>
+    </p:extLst>
+  </p:cSld>
+  <p:clrMapOvr>
+    <a:masterClrMapping/>
+  </p:clrMapOvr>
+</p:sld>
+</file>
+
+<file path=ppt/slides/slide6.xml><?xml version="1.0" encoding="utf-8"?>
 <p:sld xmlns:a="http://schemas.openxmlformats.org/drawingml/2006/main" xmlns:r="http://schemas.openxmlformats.org/officeDocument/2006/relationships" xmlns:p="http://schemas.openxmlformats.org/presentationml/2006/main">
   <p:cSld>
     <p:spTree>
@@ -3369,7 +4498,7 @@
           <a:lstStyle/>
           <a:p>
             <a:r>
-              <a:rPr lang="en-US" b="1" dirty="0" smtClean="0">
+              <a:rPr lang="en-US" b="1" dirty="0">
                 <a:solidFill>
                   <a:srgbClr val="FF0000"/>
                 </a:solidFill>
@@ -3409,7 +4538,7 @@
           <a:lstStyle/>
           <a:p>
             <a:r>
-              <a:rPr lang="en-US" altLang="zh-TW" sz="3600" b="1" dirty="0" smtClean="0"/>
+              <a:rPr lang="en-US" altLang="zh-TW" sz="3600" b="1" dirty="0"/>
               <a:t>0.   Analyze (spec, data)</a:t>
             </a:r>
           </a:p>
@@ -3418,27 +4547,27 @@
               <a:buAutoNum type="arabicPeriod"/>
             </a:pPr>
             <a:r>
-              <a:rPr lang="en-US" altLang="zh-TW" sz="3600" b="1" dirty="0" smtClean="0"/>
+              <a:rPr lang="en-US" altLang="zh-TW" sz="3600" b="1" dirty="0"/>
               <a:t>Read file</a:t>
             </a:r>
             <a:r>
-              <a:rPr lang="zh-TW" altLang="en-US" sz="3600" b="1" dirty="0" smtClean="0"/>
+              <a:rPr lang="zh-TW" altLang="en-US" sz="3600" b="1" dirty="0"/>
               <a:t> </a:t>
             </a:r>
             <a:r>
-              <a:rPr lang="en-US" altLang="zh-TW" sz="3600" b="1" dirty="0" smtClean="0">
+              <a:rPr lang="en-US" altLang="zh-TW" sz="3600" b="1" dirty="0">
                 <a:sym typeface="Wingdings" panose="05000000000000000000" pitchFamily="2" charset="2"/>
               </a:rPr>
               <a:t>(List[</a:t>
             </a:r>
             <a:r>
-              <a:rPr lang="en-US" altLang="zh-TW" sz="3600" b="1" dirty="0" err="1" smtClean="0">
+              <a:rPr lang="en-US" altLang="zh-TW" sz="3600" b="1" dirty="0" err="1">
                 <a:sym typeface="Wingdings" panose="05000000000000000000" pitchFamily="2" charset="2"/>
               </a:rPr>
               <a:t>str</a:t>
             </a:r>
             <a:r>
-              <a:rPr lang="en-US" altLang="zh-TW" sz="3600" b="1" dirty="0" smtClean="0">
+              <a:rPr lang="en-US" altLang="zh-TW" sz="3600" b="1" dirty="0">
                 <a:sym typeface="Wingdings" panose="05000000000000000000" pitchFamily="2" charset="2"/>
               </a:rPr>
               <a:t>])</a:t>
@@ -3449,31 +4578,31 @@
               <a:buAutoNum type="arabicPeriod"/>
             </a:pPr>
             <a:r>
-              <a:rPr lang="en-US" altLang="zh-TW" sz="3600" b="1" dirty="0" smtClean="0">
+              <a:rPr lang="en-US" altLang="zh-TW" sz="3600" b="1" dirty="0">
                 <a:sym typeface="Wingdings" panose="05000000000000000000" pitchFamily="2" charset="2"/>
               </a:rPr>
               <a:t>For-loop (</a:t>
             </a:r>
             <a:r>
-              <a:rPr lang="en-US" altLang="zh-TW" sz="3600" b="1" dirty="0" err="1" smtClean="0">
+              <a:rPr lang="en-US" altLang="zh-TW" sz="3600" b="1" dirty="0" err="1">
                 <a:sym typeface="Wingdings" panose="05000000000000000000" pitchFamily="2" charset="2"/>
               </a:rPr>
               <a:t>str</a:t>
             </a:r>
             <a:r>
-              <a:rPr lang="en-US" altLang="zh-TW" sz="3600" b="1" dirty="0" smtClean="0">
+              <a:rPr lang="en-US" altLang="zh-TW" sz="3600" b="1" dirty="0">
                 <a:sym typeface="Wingdings" panose="05000000000000000000" pitchFamily="2" charset="2"/>
               </a:rPr>
               <a:t>-by-</a:t>
             </a:r>
             <a:r>
-              <a:rPr lang="en-US" altLang="zh-TW" sz="3600" b="1" dirty="0" err="1" smtClean="0">
+              <a:rPr lang="en-US" altLang="zh-TW" sz="3600" b="1" dirty="0" err="1">
                 <a:sym typeface="Wingdings" panose="05000000000000000000" pitchFamily="2" charset="2"/>
               </a:rPr>
               <a:t>str</a:t>
             </a:r>
             <a:r>
-              <a:rPr lang="en-US" altLang="zh-TW" sz="3600" b="1" dirty="0" smtClean="0">
+              <a:rPr lang="en-US" altLang="zh-TW" sz="3600" b="1" dirty="0">
                 <a:sym typeface="Wingdings" panose="05000000000000000000" pitchFamily="2" charset="2"/>
               </a:rPr>
               <a:t>)</a:t>
@@ -3484,19 +4613,19 @@
               <a:buAutoNum type="arabicPeriod"/>
             </a:pPr>
             <a:r>
-              <a:rPr lang="en-US" altLang="zh-TW" sz="3600" b="1" dirty="0" smtClean="0">
+              <a:rPr lang="en-US" altLang="zh-TW" sz="3600" b="1" dirty="0">
                 <a:sym typeface="Wingdings" panose="05000000000000000000" pitchFamily="2" charset="2"/>
               </a:rPr>
               <a:t>Check (</a:t>
             </a:r>
             <a:r>
-              <a:rPr lang="en-US" altLang="zh-TW" sz="3600" b="1" dirty="0" err="1" smtClean="0">
+              <a:rPr lang="en-US" altLang="zh-TW" sz="3600" b="1" dirty="0" err="1">
                 <a:sym typeface="Wingdings" panose="05000000000000000000" pitchFamily="2" charset="2"/>
               </a:rPr>
               <a:t>isDate</a:t>
             </a:r>
             <a:r>
-              <a:rPr lang="en-US" altLang="zh-TW" sz="3600" b="1" dirty="0" smtClean="0">
+              <a:rPr lang="en-US" altLang="zh-TW" sz="3600" b="1" dirty="0">
                 <a:sym typeface="Wingdings" panose="05000000000000000000" pitchFamily="2" charset="2"/>
               </a:rPr>
               <a:t> == True/False)</a:t>
@@ -3507,7 +4636,7 @@
               <a:buAutoNum type="arabicPeriod"/>
             </a:pPr>
             <a:r>
-              <a:rPr lang="en-US" altLang="zh-TW" sz="3600" b="1" dirty="0" smtClean="0">
+              <a:rPr lang="en-US" altLang="zh-TW" sz="3600" b="1" dirty="0">
                 <a:sym typeface="Wingdings" panose="05000000000000000000" pitchFamily="2" charset="2"/>
               </a:rPr>
               <a:t>Append to list </a:t>
@@ -3518,12 +4647,12 @@
               <a:buAutoNum type="arabicPeriod"/>
             </a:pPr>
             <a:r>
-              <a:rPr lang="en-US" altLang="zh-TW" sz="3600" b="1" dirty="0" smtClean="0">
+              <a:rPr lang="en-US" altLang="zh-TW" sz="3600" b="1" dirty="0">
                 <a:sym typeface="Wingdings" panose="05000000000000000000" pitchFamily="2" charset="2"/>
               </a:rPr>
               <a:t>Return result (maybe print)</a:t>
             </a:r>
-            <a:endParaRPr lang="en-US" altLang="zh-TW" sz="3600" b="1" dirty="0" smtClean="0"/>
+            <a:endParaRPr lang="en-US" altLang="zh-TW" sz="3600" b="1" dirty="0"/>
           </a:p>
         </p:txBody>
       </p:sp>
@@ -3540,7 +4669,7 @@
 </p:sld>
 </file>
 
-<file path=ppt/slides/slide4.xml><?xml version="1.0" encoding="utf-8"?>
+<file path=ppt/slides/slide7.xml><?xml version="1.0" encoding="utf-8"?>
 <p:sld xmlns:a="http://schemas.openxmlformats.org/drawingml/2006/main" xmlns:r="http://schemas.openxmlformats.org/officeDocument/2006/relationships" xmlns:p="http://schemas.openxmlformats.org/presentationml/2006/main">
   <p:cSld>
     <p:spTree>
@@ -3590,7 +4719,7 @@
           <a:lstStyle/>
           <a:p>
             <a:r>
-              <a:rPr lang="en-US" b="1" dirty="0" smtClean="0">
+              <a:rPr lang="en-US" b="1" dirty="0">
                 <a:solidFill>
                   <a:srgbClr val="FF0000"/>
                 </a:solidFill>
@@ -3630,7 +4759,7 @@
           <a:lstStyle/>
           <a:p>
             <a:r>
-              <a:rPr lang="en-US" altLang="zh-TW" sz="3600" b="1" dirty="0" smtClean="0"/>
+              <a:rPr lang="en-US" altLang="zh-TW" sz="3600" b="1" dirty="0"/>
               <a:t>0.   Analyze (spec, data)</a:t>
             </a:r>
           </a:p>
@@ -3639,27 +4768,27 @@
               <a:buAutoNum type="arabicPeriod"/>
             </a:pPr>
             <a:r>
-              <a:rPr lang="en-US" altLang="zh-TW" sz="3600" b="1" dirty="0" smtClean="0"/>
+              <a:rPr lang="en-US" altLang="zh-TW" sz="3600" b="1" dirty="0"/>
               <a:t>Read file</a:t>
             </a:r>
             <a:r>
-              <a:rPr lang="zh-TW" altLang="en-US" sz="3600" b="1" dirty="0" smtClean="0"/>
+              <a:rPr lang="zh-TW" altLang="en-US" sz="3600" b="1" dirty="0"/>
               <a:t> </a:t>
             </a:r>
             <a:r>
-              <a:rPr lang="en-US" altLang="zh-TW" sz="3600" b="1" dirty="0" smtClean="0">
+              <a:rPr lang="en-US" altLang="zh-TW" sz="3600" b="1" dirty="0">
                 <a:sym typeface="Wingdings" panose="05000000000000000000" pitchFamily="2" charset="2"/>
               </a:rPr>
               <a:t>(List[</a:t>
             </a:r>
             <a:r>
-              <a:rPr lang="en-US" altLang="zh-TW" sz="3600" b="1" dirty="0" err="1" smtClean="0">
+              <a:rPr lang="en-US" altLang="zh-TW" sz="3600" b="1" dirty="0" err="1">
                 <a:sym typeface="Wingdings" panose="05000000000000000000" pitchFamily="2" charset="2"/>
               </a:rPr>
               <a:t>str</a:t>
             </a:r>
             <a:r>
-              <a:rPr lang="en-US" altLang="zh-TW" sz="3600" b="1" dirty="0" smtClean="0">
+              <a:rPr lang="en-US" altLang="zh-TW" sz="3600" b="1" dirty="0">
                 <a:sym typeface="Wingdings" panose="05000000000000000000" pitchFamily="2" charset="2"/>
               </a:rPr>
               <a:t>])</a:t>
@@ -3670,31 +4799,31 @@
               <a:buAutoNum type="arabicPeriod"/>
             </a:pPr>
             <a:r>
-              <a:rPr lang="en-US" altLang="zh-TW" sz="3600" b="1" dirty="0" smtClean="0">
+              <a:rPr lang="en-US" altLang="zh-TW" sz="3600" b="1" dirty="0">
                 <a:sym typeface="Wingdings" panose="05000000000000000000" pitchFamily="2" charset="2"/>
               </a:rPr>
               <a:t>For-loop (</a:t>
             </a:r>
             <a:r>
-              <a:rPr lang="en-US" altLang="zh-TW" sz="3600" b="1" dirty="0" err="1" smtClean="0">
+              <a:rPr lang="en-US" altLang="zh-TW" sz="3600" b="1" dirty="0" err="1">
                 <a:sym typeface="Wingdings" panose="05000000000000000000" pitchFamily="2" charset="2"/>
               </a:rPr>
               <a:t>str</a:t>
             </a:r>
             <a:r>
-              <a:rPr lang="en-US" altLang="zh-TW" sz="3600" b="1" dirty="0" smtClean="0">
+              <a:rPr lang="en-US" altLang="zh-TW" sz="3600" b="1" dirty="0">
                 <a:sym typeface="Wingdings" panose="05000000000000000000" pitchFamily="2" charset="2"/>
               </a:rPr>
               <a:t>-by-</a:t>
             </a:r>
             <a:r>
-              <a:rPr lang="en-US" altLang="zh-TW" sz="3600" b="1" dirty="0" err="1" smtClean="0">
+              <a:rPr lang="en-US" altLang="zh-TW" sz="3600" b="1" dirty="0" err="1">
                 <a:sym typeface="Wingdings" panose="05000000000000000000" pitchFamily="2" charset="2"/>
               </a:rPr>
               <a:t>str</a:t>
             </a:r>
             <a:r>
-              <a:rPr lang="en-US" altLang="zh-TW" sz="3600" b="1" dirty="0" smtClean="0">
+              <a:rPr lang="en-US" altLang="zh-TW" sz="3600" b="1" dirty="0">
                 <a:sym typeface="Wingdings" panose="05000000000000000000" pitchFamily="2" charset="2"/>
               </a:rPr>
               <a:t>)</a:t>
@@ -3705,7 +4834,7 @@
               <a:buAutoNum type="arabicPeriod"/>
             </a:pPr>
             <a:r>
-              <a:rPr lang="en-US" altLang="zh-TW" sz="3600" b="1" dirty="0" smtClean="0">
+              <a:rPr lang="en-US" altLang="zh-TW" sz="3600" b="1" dirty="0">
                 <a:solidFill>
                   <a:srgbClr val="FF0000"/>
                 </a:solidFill>
@@ -3714,7 +4843,7 @@
               <a:t>Check (</a:t>
             </a:r>
             <a:r>
-              <a:rPr lang="en-US" altLang="zh-TW" sz="3600" b="1" dirty="0" err="1" smtClean="0">
+              <a:rPr lang="en-US" altLang="zh-TW" sz="3600" b="1" dirty="0" err="1">
                 <a:solidFill>
                   <a:srgbClr val="FF0000"/>
                 </a:solidFill>
@@ -3723,7 +4852,7 @@
               <a:t>isDate</a:t>
             </a:r>
             <a:r>
-              <a:rPr lang="en-US" altLang="zh-TW" sz="3600" b="1" dirty="0" smtClean="0">
+              <a:rPr lang="en-US" altLang="zh-TW" sz="3600" b="1" dirty="0">
                 <a:solidFill>
                   <a:srgbClr val="FF0000"/>
                 </a:solidFill>
@@ -3737,7 +4866,7 @@
               <a:buAutoNum type="arabicPeriod"/>
             </a:pPr>
             <a:r>
-              <a:rPr lang="en-US" altLang="zh-TW" sz="3600" b="1" dirty="0" smtClean="0">
+              <a:rPr lang="en-US" altLang="zh-TW" sz="3600" b="1" dirty="0">
                 <a:sym typeface="Wingdings" panose="05000000000000000000" pitchFamily="2" charset="2"/>
               </a:rPr>
               <a:t>Append to list </a:t>
@@ -3748,12 +4877,12 @@
               <a:buAutoNum type="arabicPeriod"/>
             </a:pPr>
             <a:r>
-              <a:rPr lang="en-US" altLang="zh-TW" sz="3600" b="1" dirty="0" smtClean="0">
+              <a:rPr lang="en-US" altLang="zh-TW" sz="3600" b="1" dirty="0">
                 <a:sym typeface="Wingdings" panose="05000000000000000000" pitchFamily="2" charset="2"/>
               </a:rPr>
               <a:t>Return result (maybe print)</a:t>
             </a:r>
-            <a:endParaRPr lang="en-US" altLang="zh-TW" sz="3600" b="1" dirty="0" smtClean="0"/>
+            <a:endParaRPr lang="en-US" altLang="zh-TW" sz="3600" b="1" dirty="0"/>
           </a:p>
         </p:txBody>
       </p:sp>
@@ -3770,7 +4899,7 @@
 </p:sld>
 </file>
 
-<file path=ppt/slides/slide5.xml><?xml version="1.0" encoding="utf-8"?>
+<file path=ppt/slides/slide8.xml><?xml version="1.0" encoding="utf-8"?>
 <p:sld xmlns:a="http://schemas.openxmlformats.org/drawingml/2006/main" xmlns:r="http://schemas.openxmlformats.org/officeDocument/2006/relationships" xmlns:p="http://schemas.openxmlformats.org/presentationml/2006/main">
   <p:cSld>
     <p:spTree>
@@ -3820,7 +4949,7 @@
           <a:lstStyle/>
           <a:p>
             <a:r>
-              <a:rPr lang="en-US" b="1" dirty="0" smtClean="0">
+              <a:rPr lang="en-US" b="1" dirty="0">
                 <a:solidFill>
                   <a:srgbClr val="FF0000"/>
                 </a:solidFill>
@@ -3898,6 +5027,88 @@
 </p:sld>
 </file>
 
+<file path=ppt/slides/slide9.xml><?xml version="1.0" encoding="utf-8"?>
+<p:sld xmlns:a="http://schemas.openxmlformats.org/drawingml/2006/main" xmlns:r="http://schemas.openxmlformats.org/officeDocument/2006/relationships" xmlns:p="http://schemas.openxmlformats.org/presentationml/2006/main">
+  <p:cSld>
+    <p:spTree>
+      <p:nvGrpSpPr>
+        <p:cNvPr id="1" name="">
+          <a:extLst>
+            <a:ext uri="{FF2B5EF4-FFF2-40B4-BE49-F238E27FC236}">
+              <a16:creationId xmlns:a16="http://schemas.microsoft.com/office/drawing/2014/main" id="{377B3590-505F-2865-DC8E-C7412067727E}"/>
+            </a:ext>
+          </a:extLst>
+        </p:cNvPr>
+        <p:cNvGrpSpPr/>
+        <p:nvPr/>
+      </p:nvGrpSpPr>
+      <p:grpSpPr>
+        <a:xfrm>
+          <a:off x="0" y="0"/>
+          <a:ext cx="0" cy="0"/>
+          <a:chOff x="0" y="0"/>
+          <a:chExt cx="0" cy="0"/>
+        </a:xfrm>
+      </p:grpSpPr>
+      <p:sp>
+        <p:nvSpPr>
+          <p:cNvPr id="2" name="標題 1">
+            <a:extLst>
+              <a:ext uri="{FF2B5EF4-FFF2-40B4-BE49-F238E27FC236}">
+                <a16:creationId xmlns:a16="http://schemas.microsoft.com/office/drawing/2014/main" id="{55D7ED5F-32AF-02D6-2BB6-895A31E9F7E2}"/>
+              </a:ext>
+            </a:extLst>
+          </p:cNvPr>
+          <p:cNvSpPr>
+            <a:spLocks noGrp="1"/>
+          </p:cNvSpPr>
+          <p:nvPr>
+            <p:ph type="ctrTitle"/>
+          </p:nvPr>
+        </p:nvSpPr>
+        <p:spPr>
+          <a:xfrm>
+            <a:off x="2667000" y="2688482"/>
+            <a:ext cx="6858000" cy="801240"/>
+          </a:xfrm>
+        </p:spPr>
+        <p:txBody>
+          <a:bodyPr>
+            <a:normAutofit fontScale="90000"/>
+          </a:bodyPr>
+          <a:lstStyle/>
+          <a:p>
+            <a:r>
+              <a:rPr lang="en-US" altLang="zh-TW" dirty="0">
+                <a:latin typeface="Arial Black" panose="020B0A04020102020204" pitchFamily="34" charset="0"/>
+              </a:rPr>
+              <a:t>Week : List, </a:t>
+            </a:r>
+            <a:r>
+              <a:rPr lang="en-US" altLang="zh-TW" dirty="0" err="1">
+                <a:latin typeface="Arial Black" panose="020B0A04020102020204" pitchFamily="34" charset="0"/>
+              </a:rPr>
+              <a:t>dict</a:t>
+            </a:r>
+            <a:endParaRPr lang="zh-TW" altLang="en-US" dirty="0">
+              <a:latin typeface="Arial Black" panose="020B0A04020102020204" pitchFamily="34" charset="0"/>
+            </a:endParaRPr>
+          </a:p>
+        </p:txBody>
+      </p:sp>
+    </p:spTree>
+    <p:extLst>
+      <p:ext uri="{BB962C8B-B14F-4D97-AF65-F5344CB8AC3E}">
+        <p14:creationId xmlns:p14="http://schemas.microsoft.com/office/powerpoint/2010/main" val="491713854"/>
+      </p:ext>
+    </p:extLst>
+  </p:cSld>
+  <p:clrMapOvr>
+    <a:masterClrMapping/>
+  </p:clrMapOvr>
+</p:sld>
+</file>
+
 <file path=ppt/theme/theme1.xml><?xml version="1.0" encoding="utf-8"?>
 <a:theme xmlns:a="http://schemas.openxmlformats.org/drawingml/2006/main" name="Office 佈景主題">
   <a:themeElements>
@@ -3909,39 +5120,39 @@
         <a:sysClr val="window" lastClr="FFFFFF"/>
       </a:lt1>
       <a:dk2>
-        <a:srgbClr val="44546A"/>
+        <a:srgbClr val="0E2841"/>
       </a:dk2>
       <a:lt2>
-        <a:srgbClr val="E7E6E6"/>
+        <a:srgbClr val="E8E8E8"/>
       </a:lt2>
       <a:accent1>
-        <a:srgbClr val="5B9BD5"/>
+        <a:srgbClr val="156082"/>
       </a:accent1>
       <a:accent2>
-        <a:srgbClr val="ED7D31"/>
+        <a:srgbClr val="E97132"/>
       </a:accent2>
       <a:accent3>
-        <a:srgbClr val="A5A5A5"/>
+        <a:srgbClr val="196B24"/>
       </a:accent3>
       <a:accent4>
-        <a:srgbClr val="FFC000"/>
+        <a:srgbClr val="0F9ED5"/>
       </a:accent4>
       <a:accent5>
-        <a:srgbClr val="4472C4"/>
+        <a:srgbClr val="A02B93"/>
       </a:accent5>
       <a:accent6>
-        <a:srgbClr val="70AD47"/>
+        <a:srgbClr val="4EA72E"/>
       </a:accent6>
       <a:hlink>
-        <a:srgbClr val="0563C1"/>
+        <a:srgbClr val="467886"/>
       </a:hlink>
       <a:folHlink>
-        <a:srgbClr val="954F72"/>
+        <a:srgbClr val="96607D"/>
       </a:folHlink>
     </a:clrScheme>
     <a:fontScheme name="Office">
       <a:majorFont>
-        <a:latin typeface="Calibri Light" panose="020F0302020204030204"/>
+        <a:latin typeface="Aptos Display" panose="02110004020202020204"/>
         <a:ea typeface=""/>
         <a:cs typeface=""/>
         <a:font script="Jpan" typeface="游ゴシック Light"/>
@@ -3974,9 +5185,26 @@
         <a:font script="Viet" typeface="Times New Roman"/>
         <a:font script="Uigh" typeface="Microsoft Uighur"/>
         <a:font script="Geor" typeface="Sylfaen"/>
+        <a:font script="Armn" typeface="Arial"/>
+        <a:font script="Bugi" typeface="Leelawadee UI"/>
+        <a:font script="Bopo" typeface="Microsoft JhengHei"/>
+        <a:font script="Java" typeface="Javanese Text"/>
+        <a:font script="Lisu" typeface="Segoe UI"/>
+        <a:font script="Mymr" typeface="Myanmar Text"/>
+        <a:font script="Nkoo" typeface="Ebrima"/>
+        <a:font script="Olck" typeface="Nirmala UI"/>
+        <a:font script="Osma" typeface="Ebrima"/>
+        <a:font script="Phag" typeface="Phagspa"/>
+        <a:font script="Syrn" typeface="Estrangelo Edessa"/>
+        <a:font script="Syrj" typeface="Estrangelo Edessa"/>
+        <a:font script="Syre" typeface="Estrangelo Edessa"/>
+        <a:font script="Sora" typeface="Nirmala UI"/>
+        <a:font script="Tale" typeface="Microsoft Tai Le"/>
+        <a:font script="Talu" typeface="Microsoft New Tai Lue"/>
+        <a:font script="Tfng" typeface="Ebrima"/>
       </a:majorFont>
       <a:minorFont>
-        <a:latin typeface="Calibri" panose="020F0502020204030204"/>
+        <a:latin typeface="Aptos" panose="02110004020202020204"/>
         <a:ea typeface=""/>
         <a:cs typeface=""/>
         <a:font script="Jpan" typeface="游ゴシック"/>
@@ -4009,6 +5237,23 @@
         <a:font script="Viet" typeface="Arial"/>
         <a:font script="Uigh" typeface="Microsoft Uighur"/>
         <a:font script="Geor" typeface="Sylfaen"/>
+        <a:font script="Armn" typeface="Arial"/>
+        <a:font script="Bugi" typeface="Leelawadee UI"/>
+        <a:font script="Bopo" typeface="Microsoft JhengHei"/>
+        <a:font script="Java" typeface="Javanese Text"/>
+        <a:font script="Lisu" typeface="Segoe UI"/>
+        <a:font script="Mymr" typeface="Myanmar Text"/>
+        <a:font script="Nkoo" typeface="Ebrima"/>
+        <a:font script="Olck" typeface="Nirmala UI"/>
+        <a:font script="Osma" typeface="Ebrima"/>
+        <a:font script="Phag" typeface="Phagspa"/>
+        <a:font script="Syrn" typeface="Estrangelo Edessa"/>
+        <a:font script="Syrj" typeface="Estrangelo Edessa"/>
+        <a:font script="Syre" typeface="Estrangelo Edessa"/>
+        <a:font script="Sora" typeface="Nirmala UI"/>
+        <a:font script="Tale" typeface="Microsoft Tai Le"/>
+        <a:font script="Talu" typeface="Microsoft New Tai Lue"/>
+        <a:font script="Tfng" typeface="Ebrima"/>
       </a:minorFont>
     </a:fontScheme>
     <a:fmtScheme name="Office">
@@ -4070,13 +5315,6 @@
         </a:gradFill>
       </a:fillStyleLst>
       <a:lnStyleLst>
-        <a:ln w="6350" cap="flat" cmpd="sng" algn="ctr">
-          <a:solidFill>
-            <a:schemeClr val="phClr"/>
-          </a:solidFill>
-          <a:prstDash val="solid"/>
-          <a:miter lim="800000"/>
-        </a:ln>
         <a:ln w="12700" cap="flat" cmpd="sng" algn="ctr">
           <a:solidFill>
             <a:schemeClr val="phClr"/>
@@ -4085,6 +5323,13 @@
           <a:miter lim="800000"/>
         </a:ln>
         <a:ln w="19050" cap="flat" cmpd="sng" algn="ctr">
+          <a:solidFill>
+            <a:schemeClr val="phClr"/>
+          </a:solidFill>
+          <a:prstDash val="solid"/>
+          <a:miter lim="800000"/>
+        </a:ln>
+        <a:ln w="25400" cap="flat" cmpd="sng" algn="ctr">
           <a:solidFill>
             <a:schemeClr val="phClr"/>
           </a:solidFill>
@@ -4149,11 +5394,31 @@
       </a:bgFillStyleLst>
     </a:fmtScheme>
   </a:themeElements>
-  <a:objectDefaults/>
+  <a:objectDefaults>
+    <a:lnDef>
+      <a:spPr/>
+      <a:bodyPr/>
+      <a:lstStyle/>
+      <a:style>
+        <a:lnRef idx="2">
+          <a:schemeClr val="accent1"/>
+        </a:lnRef>
+        <a:fillRef idx="0">
+          <a:schemeClr val="accent1"/>
+        </a:fillRef>
+        <a:effectRef idx="1">
+          <a:schemeClr val="accent1"/>
+        </a:effectRef>
+        <a:fontRef idx="minor">
+          <a:schemeClr val="tx1"/>
+        </a:fontRef>
+      </a:style>
+    </a:lnDef>
+  </a:objectDefaults>
   <a:extraClrSchemeLst/>
   <a:extLst>
     <a:ext uri="{05A4C25C-085E-4340-85A3-A5531E510DB2}">
-      <thm15:themeFamily xmlns:thm15="http://schemas.microsoft.com/office/thememl/2012/main" name="Office Theme" id="{62F939B6-93AF-4DB8-9C6B-D6C7DFDC589F}" vid="{4A3C46E8-61CC-4603-A589-7422A47A8E4A}"/>
+      <thm15:themeFamily xmlns:thm15="http://schemas.microsoft.com/office/thememl/2012/main" name="Office Theme" id="{2E142A2C-CD16-42D6-873A-C26D2A0506FA}" vid="{1BDDFF52-6CD6-40A5-AB3C-68EB2F1E4D0A}"/>
     </a:ext>
   </a:extLst>
 </a:theme>

--- a/slides/Python_Workshop_9.pptx
+++ b/slides/Python_Workshop_9.pptx
@@ -3795,8 +3795,8 @@
         </p:blipFill>
         <p:spPr>
           <a:xfrm>
-            <a:off x="1480493" y="1261760"/>
-            <a:ext cx="9231013" cy="4334480"/>
+            <a:off x="59614" y="594577"/>
+            <a:ext cx="12072771" cy="5668845"/>
           </a:xfrm>
           <a:prstGeom prst="rect">
             <a:avLst/>
@@ -4523,8 +4523,8 @@
         </p:nvSpPr>
         <p:spPr>
           <a:xfrm>
-            <a:off x="1002323" y="2127739"/>
-            <a:ext cx="9451731" cy="3416320"/>
+            <a:off x="1370134" y="1689994"/>
+            <a:ext cx="9451731" cy="3970318"/>
           </a:xfrm>
           <a:prstGeom prst="rect">
             <a:avLst/>
@@ -4633,14 +4633,35 @@
           </a:p>
           <a:p>
             <a:pPr marL="742950" indent="-742950">
+              <a:buFontTx/>
               <a:buAutoNum type="arabicPeriod"/>
             </a:pPr>
             <a:r>
               <a:rPr lang="en-US" altLang="zh-TW" sz="3600" b="1" dirty="0">
                 <a:sym typeface="Wingdings" panose="05000000000000000000" pitchFamily="2" charset="2"/>
               </a:rPr>
-              <a:t>Append to list </a:t>
-            </a:r>
+              <a:t>Append to list (dates vs </a:t>
+            </a:r>
+            <a:r>
+              <a:rPr lang="en-US" altLang="zh-TW" sz="3600" b="1" dirty="0" err="1">
+                <a:sym typeface="Wingdings" panose="05000000000000000000" pitchFamily="2" charset="2"/>
+              </a:rPr>
+              <a:t>not_dates</a:t>
+            </a:r>
+            <a:r>
+              <a:rPr lang="en-US" altLang="zh-TW" sz="3600" b="1" dirty="0">
+                <a:sym typeface="Wingdings" panose="05000000000000000000" pitchFamily="2" charset="2"/>
+              </a:rPr>
+              <a:t>)</a:t>
+            </a:r>
+          </a:p>
+          <a:p>
+            <a:pPr marL="742950" indent="-742950">
+              <a:buAutoNum type="arabicPeriod"/>
+            </a:pPr>
+            <a:endParaRPr lang="en-US" altLang="zh-TW" sz="3600" b="1" dirty="0">
+              <a:sym typeface="Wingdings" panose="05000000000000000000" pitchFamily="2" charset="2"/>
+            </a:endParaRPr>
           </a:p>
           <a:p>
             <a:pPr marL="742950" indent="-742950">
@@ -4869,7 +4890,19 @@
               <a:rPr lang="en-US" altLang="zh-TW" sz="3600" b="1" dirty="0">
                 <a:sym typeface="Wingdings" panose="05000000000000000000" pitchFamily="2" charset="2"/>
               </a:rPr>
-              <a:t>Append to list </a:t>
+              <a:t>Append to list (dates vs </a:t>
+            </a:r>
+            <a:r>
+              <a:rPr lang="en-US" altLang="zh-TW" sz="3600" b="1" dirty="0" err="1">
+                <a:sym typeface="Wingdings" panose="05000000000000000000" pitchFamily="2" charset="2"/>
+              </a:rPr>
+              <a:t>not_dates</a:t>
+            </a:r>
+            <a:r>
+              <a:rPr lang="en-US" altLang="zh-TW" sz="3600" b="1" dirty="0">
+                <a:sym typeface="Wingdings" panose="05000000000000000000" pitchFamily="2" charset="2"/>
+              </a:rPr>
+              <a:t>)</a:t>
             </a:r>
           </a:p>
           <a:p>
